--- a/ppts/GROOVY & GRAILS.pptx
+++ b/ppts/GROOVY & GRAILS.pptx
@@ -5,10 +5,10 @@
     <p:sldMasterId id="2147483660" r:id="rId1"/>
   </p:sldMasterIdLst>
   <p:notesMasterIdLst>
-    <p:notesMasterId r:id="rId87"/>
+    <p:notesMasterId r:id="rId92"/>
   </p:notesMasterIdLst>
   <p:handoutMasterIdLst>
-    <p:handoutMasterId r:id="rId88"/>
+    <p:handoutMasterId r:id="rId93"/>
   </p:handoutMasterIdLst>
   <p:sldIdLst>
     <p:sldId id="256" r:id="rId2"/>
@@ -89,13 +89,18 @@
     <p:sldId id="329" r:id="rId77"/>
     <p:sldId id="331" r:id="rId78"/>
     <p:sldId id="345" r:id="rId79"/>
-    <p:sldId id="333" r:id="rId80"/>
-    <p:sldId id="330" r:id="rId81"/>
-    <p:sldId id="321" r:id="rId82"/>
-    <p:sldId id="334" r:id="rId83"/>
-    <p:sldId id="335" r:id="rId84"/>
-    <p:sldId id="338" r:id="rId85"/>
-    <p:sldId id="339" r:id="rId86"/>
+    <p:sldId id="330" r:id="rId80"/>
+    <p:sldId id="349" r:id="rId81"/>
+    <p:sldId id="333" r:id="rId82"/>
+    <p:sldId id="347" r:id="rId83"/>
+    <p:sldId id="346" r:id="rId84"/>
+    <p:sldId id="348" r:id="rId85"/>
+    <p:sldId id="321" r:id="rId86"/>
+    <p:sldId id="350" r:id="rId87"/>
+    <p:sldId id="335" r:id="rId88"/>
+    <p:sldId id="351" r:id="rId89"/>
+    <p:sldId id="338" r:id="rId90"/>
+    <p:sldId id="339" r:id="rId91"/>
   </p:sldIdLst>
   <p:sldSz cx="9144000" cy="6858000" type="screen4x3"/>
   <p:notesSz cx="6858000" cy="9144000"/>
@@ -279,7 +284,7 @@
           <a:p>
             <a:fld id="{A779CE86-0D2D-4A6C-B4DB-7ADE2F7CDC21}" type="datetimeFigureOut">
               <a:rPr lang="es-ES" smtClean="0"/>
-              <a:t>07/04/2015</a:t>
+              <a:t>08/04/2015</a:t>
             </a:fld>
             <a:endParaRPr lang="es-ES"/>
           </a:p>
@@ -444,7 +449,7 @@
           <a:p>
             <a:fld id="{E7B802E2-5378-48CF-9E61-33946ADD3D9D}" type="datetimeFigureOut">
               <a:rPr lang="es-ES" smtClean="0"/>
-              <a:t>07/04/2015</a:t>
+              <a:t>08/04/2015</a:t>
             </a:fld>
             <a:endParaRPr lang="es-ES"/>
           </a:p>
@@ -30470,15 +30475,7 @@
             </a:br>
             <a:r>
               <a:rPr lang="en-US" sz="1200" dirty="0" smtClean="0"/>
-              <a:t>2.3. Deploying </a:t>
-            </a:r>
-            <a:r>
-              <a:rPr lang="en-US" sz="1200" dirty="0" smtClean="0"/>
-              <a:t>Applications</a:t>
-            </a:r>
-            <a:r>
-              <a:rPr lang="en-US" sz="1200" dirty="0" smtClean="0"/>
-              <a:t/>
+              <a:t>2.3. Deploying Applications</a:t>
             </a:r>
             <a:br>
               <a:rPr lang="en-US" sz="1200" dirty="0" smtClean="0"/>
@@ -32365,15 +32362,7 @@
             <a:pPr lvl="1"/>
             <a:r>
               <a:rPr lang="en-US" dirty="0" smtClean="0"/>
-              <a:t>RAD a.k.a</a:t>
-            </a:r>
-            <a:r>
-              <a:rPr lang="en-US" dirty="0" smtClean="0"/>
-              <a:t>. </a:t>
-            </a:r>
-            <a:r>
-              <a:rPr lang="en-US" dirty="0" smtClean="0"/>
-              <a:t>Rapid Application Development</a:t>
+              <a:t>RAD a.k.a. Rapid Application Development</a:t>
             </a:r>
           </a:p>
           <a:p>
@@ -32398,7 +32387,6 @@
               <a:rPr lang="en-US" dirty="0" smtClean="0"/>
               <a:t>Static	-&gt; code generation</a:t>
             </a:r>
-            <a:endParaRPr lang="en-US" dirty="0" smtClean="0"/>
           </a:p>
         </p:txBody>
       </p:sp>
@@ -32554,7 +32542,6 @@
               <a:rPr lang="en-US" dirty="0" smtClean="0"/>
               <a:t>Not meaning copy-paste!!!</a:t>
             </a:r>
-            <a:endParaRPr lang="en-US" dirty="0" smtClean="0"/>
           </a:p>
         </p:txBody>
       </p:sp>
@@ -38003,7 +37990,6 @@
               <a:rPr lang="es-ES" dirty="0" smtClean="0"/>
               <a:t>}</a:t>
             </a:r>
-            <a:endParaRPr lang="es-ES" dirty="0" smtClean="0"/>
           </a:p>
         </p:txBody>
       </p:sp>
@@ -38744,10 +38730,6 @@
               </a:rPr>
               <a:t>, Between</a:t>
             </a:r>
-            <a:endParaRPr lang="en-US" b="1" dirty="0" smtClean="0">
-              <a:latin typeface="Courier New" panose="02070309020205020404" pitchFamily="49" charset="0"/>
-              <a:cs typeface="Courier New" panose="02070309020205020404" pitchFamily="49" charset="0"/>
-            </a:endParaRPr>
           </a:p>
         </p:txBody>
       </p:sp>
@@ -39605,7 +39587,6 @@
               <a:rPr lang="es-ES" dirty="0" smtClean="0"/>
               <a:t>}</a:t>
             </a:r>
-            <a:endParaRPr lang="es-ES" dirty="0" smtClean="0"/>
           </a:p>
           <a:p>
             <a:pPr lvl="1"/>
@@ -39812,7 +39793,6 @@
               <a:rPr lang="es-ES" dirty="0"/>
               <a:t>()]</a:t>
             </a:r>
-            <a:endParaRPr lang="es-ES" dirty="0"/>
           </a:p>
           <a:p>
             <a:pPr lvl="1"/>
@@ -40329,11 +40309,7 @@
             </a:r>
             <a:r>
               <a:rPr lang="es-ES" dirty="0"/>
-              <a:t>: </a:t>
-            </a:r>
-            <a:r>
-              <a:rPr lang="es-ES" dirty="0"/>
-              <a:t>${language</a:t>
+              <a:t>: ${language</a:t>
             </a:r>
             <a:r>
               <a:rPr lang="es-ES" dirty="0" smtClean="0"/>
@@ -40441,7 +40417,6 @@
               <a:rPr lang="es-ES" dirty="0"/>
               <a:t>&gt;</a:t>
             </a:r>
-            <a:endParaRPr lang="es-ES" dirty="0"/>
           </a:p>
         </p:txBody>
       </p:sp>
@@ -40996,11 +40971,7 @@
             </a:r>
             <a:r>
               <a:rPr lang="en-US" dirty="0"/>
-              <a:t> </a:t>
-            </a:r>
-            <a:r>
-              <a:rPr lang="en-US" dirty="0"/>
-              <a:t>method=</a:t>
+              <a:t> method=</a:t>
             </a:r>
             <a:r>
               <a:rPr lang="en-US" dirty="0">
@@ -41458,7 +41429,6 @@
               <a:rPr lang="es-ES" dirty="0"/>
               <a:t>&gt;</a:t>
             </a:r>
-            <a:endParaRPr lang="es-ES" dirty="0"/>
           </a:p>
         </p:txBody>
       </p:sp>
@@ -41688,7 +41658,6 @@
               <a:rPr lang="es-ES" dirty="0"/>
               <a:t>&gt;</a:t>
             </a:r>
-            <a:endParaRPr lang="es-ES" dirty="0"/>
           </a:p>
         </p:txBody>
       </p:sp>
@@ -41820,15 +41789,259 @@
           <a:p>
             <a:r>
               <a:rPr lang="es-ES" dirty="0" err="1" smtClean="0"/>
-              <a:t>Interceptors</a:t>
-            </a:r>
-            <a:r>
-              <a:rPr lang="es-ES" dirty="0" smtClean="0"/>
-              <a:t> and </a:t>
-            </a:r>
-            <a:r>
-              <a:rPr lang="es-ES" dirty="0" err="1" smtClean="0"/>
-              <a:t>filters</a:t>
+              <a:t>Taglibs</a:t>
+            </a:r>
+            <a:endParaRPr lang="es-ES" dirty="0" smtClean="0"/>
+          </a:p>
+          <a:p>
+            <a:pPr lvl="1"/>
+            <a:r>
+              <a:rPr lang="es-ES" dirty="0" err="1" smtClean="0"/>
+              <a:t>Built</a:t>
+            </a:r>
+            <a:r>
+              <a:rPr lang="es-ES" dirty="0" smtClean="0"/>
+              <a:t>-in GSP </a:t>
+            </a:r>
+            <a:r>
+              <a:rPr lang="es-ES" dirty="0" err="1" smtClean="0"/>
+              <a:t>tags</a:t>
+            </a:r>
+            <a:endParaRPr lang="es-ES" dirty="0" smtClean="0"/>
+          </a:p>
+          <a:p>
+            <a:pPr lvl="2"/>
+            <a:r>
+              <a:rPr lang="es-ES" dirty="0" smtClean="0"/>
+              <a:t>No </a:t>
+            </a:r>
+            <a:r>
+              <a:rPr lang="es-ES" dirty="0" err="1" smtClean="0"/>
+              <a:t>need</a:t>
+            </a:r>
+            <a:r>
+              <a:rPr lang="es-ES" dirty="0" smtClean="0"/>
+              <a:t> to </a:t>
+            </a:r>
+            <a:r>
+              <a:rPr lang="es-ES" dirty="0" err="1" smtClean="0"/>
+              <a:t>import</a:t>
+            </a:r>
+            <a:r>
+              <a:rPr lang="es-ES" dirty="0" smtClean="0"/>
+              <a:t>, </a:t>
+            </a:r>
+            <a:r>
+              <a:rPr lang="es-ES" dirty="0" err="1" smtClean="0"/>
+              <a:t>predefined</a:t>
+            </a:r>
+            <a:r>
+              <a:rPr lang="es-ES" b="1" dirty="0" smtClean="0">
+                <a:latin typeface="Courier New" panose="02070309020205020404" pitchFamily="49" charset="0"/>
+                <a:cs typeface="Courier New" panose="02070309020205020404" pitchFamily="49" charset="0"/>
+              </a:rPr>
+              <a:t> &lt;g:</a:t>
+            </a:r>
+          </a:p>
+          <a:p>
+            <a:pPr lvl="2"/>
+            <a:r>
+              <a:rPr lang="es-ES" dirty="0" smtClean="0"/>
+              <a:t>JSTL-</a:t>
+            </a:r>
+            <a:r>
+              <a:rPr lang="es-ES" dirty="0" err="1" smtClean="0"/>
+              <a:t>like</a:t>
+            </a:r>
+            <a:r>
+              <a:rPr lang="es-ES" dirty="0" smtClean="0"/>
+              <a:t> </a:t>
+            </a:r>
+            <a:r>
+              <a:rPr lang="es-ES" dirty="0" err="1" smtClean="0"/>
+              <a:t>with</a:t>
+            </a:r>
+            <a:r>
+              <a:rPr lang="es-ES" dirty="0" smtClean="0"/>
+              <a:t> </a:t>
+            </a:r>
+            <a:r>
+              <a:rPr lang="es-ES" dirty="0" err="1" smtClean="0"/>
+              <a:t>improvements</a:t>
+            </a:r>
+            <a:r>
+              <a:rPr lang="es-ES" dirty="0" smtClean="0"/>
+              <a:t> (</a:t>
+            </a:r>
+            <a:r>
+              <a:rPr lang="es-ES" dirty="0" err="1" smtClean="0"/>
+              <a:t>else</a:t>
+            </a:r>
+            <a:r>
+              <a:rPr lang="es-ES" dirty="0" smtClean="0"/>
+              <a:t>!!)</a:t>
+            </a:r>
+          </a:p>
+          <a:p>
+            <a:pPr lvl="3"/>
+            <a:r>
+              <a:rPr lang="es-ES" dirty="0" smtClean="0"/>
+              <a:t>g:set, g:if, g:else, g:each, g:while, g:link</a:t>
+            </a:r>
+          </a:p>
+          <a:p>
+            <a:pPr lvl="3"/>
+            <a:r>
+              <a:rPr lang="es-ES" dirty="0" smtClean="0"/>
+              <a:t>&lt;g</a:t>
+            </a:r>
+            <a:r>
+              <a:rPr lang="en-US" dirty="0"/>
+              <a:t>:</a:t>
+            </a:r>
+            <a:r>
+              <a:rPr lang="en-US" dirty="0" err="1"/>
+              <a:t>findAll</a:t>
+            </a:r>
+            <a:r>
+              <a:rPr lang="en-US" dirty="0"/>
+              <a:t> in</a:t>
+            </a:r>
+            <a:r>
+              <a:rPr lang="en-US" dirty="0" smtClean="0"/>
+              <a:t>="${col}" </a:t>
+            </a:r>
+            <a:r>
+              <a:rPr lang="en-US" dirty="0"/>
+              <a:t>expr="</a:t>
+            </a:r>
+            <a:r>
+              <a:rPr lang="en-US" dirty="0" smtClean="0"/>
+              <a:t>it.id&gt;5"&gt;</a:t>
+            </a:r>
+            <a:endParaRPr lang="es-ES" dirty="0" smtClean="0"/>
+          </a:p>
+          <a:p>
+            <a:pPr lvl="1"/>
+            <a:r>
+              <a:rPr lang="es-ES" dirty="0" smtClean="0"/>
+              <a:t>Simple </a:t>
+            </a:r>
+            <a:r>
+              <a:rPr lang="es-ES" dirty="0" err="1" smtClean="0"/>
+              <a:t>extension</a:t>
+            </a:r>
+            <a:r>
+              <a:rPr lang="es-ES" dirty="0" smtClean="0"/>
+              <a:t> </a:t>
+            </a:r>
+            <a:r>
+              <a:rPr lang="es-ES" dirty="0" err="1" smtClean="0"/>
+              <a:t>mechanism</a:t>
+            </a:r>
+            <a:r>
+              <a:rPr lang="es-ES" dirty="0" smtClean="0"/>
+              <a:t> </a:t>
+            </a:r>
+            <a:r>
+              <a:rPr lang="es-ES" dirty="0" err="1" smtClean="0"/>
+              <a:t>for</a:t>
+            </a:r>
+            <a:r>
+              <a:rPr lang="es-ES" dirty="0" smtClean="0"/>
+              <a:t> </a:t>
+            </a:r>
+            <a:r>
+              <a:rPr lang="es-ES" dirty="0" err="1" smtClean="0"/>
+              <a:t>taglibs</a:t>
+            </a:r>
+            <a:endParaRPr lang="es-ES" dirty="0" smtClean="0"/>
+          </a:p>
+          <a:p>
+            <a:pPr lvl="2"/>
+            <a:r>
+              <a:rPr lang="en-US" dirty="0"/>
+              <a:t>Specific class </a:t>
+            </a:r>
+            <a:r>
+              <a:rPr lang="en-US" dirty="0" smtClean="0"/>
+              <a:t>(*</a:t>
+            </a:r>
+            <a:r>
+              <a:rPr lang="en-US" dirty="0" err="1" smtClean="0"/>
+              <a:t>TagLib</a:t>
+            </a:r>
+            <a:r>
+              <a:rPr lang="en-US" dirty="0" smtClean="0"/>
+              <a:t>)</a:t>
+            </a:r>
+            <a:endParaRPr lang="en-US" dirty="0"/>
+          </a:p>
+          <a:p>
+            <a:pPr lvl="2"/>
+            <a:r>
+              <a:rPr lang="es-ES" dirty="0" smtClean="0"/>
+              <a:t>/</a:t>
+            </a:r>
+            <a:r>
+              <a:rPr lang="es-ES" dirty="0" err="1" smtClean="0"/>
+              <a:t>grails</a:t>
+            </a:r>
+            <a:r>
+              <a:rPr lang="es-ES" dirty="0" smtClean="0"/>
+              <a:t>-app/</a:t>
+            </a:r>
+            <a:r>
+              <a:rPr lang="es-ES" dirty="0" err="1" smtClean="0"/>
+              <a:t>taglibs</a:t>
+            </a:r>
+            <a:r>
+              <a:rPr lang="es-ES" dirty="0" smtClean="0"/>
+              <a:t> </a:t>
+            </a:r>
+            <a:r>
+              <a:rPr lang="es-ES" dirty="0" err="1" smtClean="0"/>
+              <a:t>directory</a:t>
+            </a:r>
+            <a:endParaRPr lang="es-ES" dirty="0" smtClean="0"/>
+          </a:p>
+          <a:p>
+            <a:pPr lvl="2"/>
+            <a:r>
+              <a:rPr lang="es-ES" dirty="0" err="1" smtClean="0"/>
+              <a:t>Each</a:t>
+            </a:r>
+            <a:r>
+              <a:rPr lang="es-ES" dirty="0" smtClean="0"/>
+              <a:t> </a:t>
+            </a:r>
+            <a:r>
+              <a:rPr lang="es-ES" dirty="0" err="1" smtClean="0"/>
+              <a:t>closure</a:t>
+            </a:r>
+            <a:r>
+              <a:rPr lang="es-ES" dirty="0" smtClean="0"/>
+              <a:t> defines a </a:t>
+            </a:r>
+            <a:r>
+              <a:rPr lang="es-ES" dirty="0" err="1" smtClean="0"/>
+              <a:t>tag</a:t>
+            </a:r>
+            <a:r>
+              <a:rPr lang="es-ES" dirty="0" smtClean="0"/>
+              <a:t> in </a:t>
+            </a:r>
+            <a:r>
+              <a:rPr lang="es-ES" dirty="0" err="1" smtClean="0"/>
+              <a:t>the</a:t>
+            </a:r>
+            <a:r>
+              <a:rPr lang="es-ES" dirty="0" smtClean="0"/>
+              <a:t> g: </a:t>
+            </a:r>
+            <a:r>
+              <a:rPr lang="es-ES" dirty="0" err="1" smtClean="0"/>
+              <a:t>namespace</a:t>
             </a:r>
             <a:endParaRPr lang="es-ES" dirty="0"/>
           </a:p>
@@ -41844,6 +42057,14 @@
   <p:clrMapOvr>
     <a:masterClrMapping/>
   </p:clrMapOvr>
+  <mc:AlternateContent xmlns:mc="http://schemas.openxmlformats.org/markup-compatibility/2006">
+    <mc:Choice xmlns:p14="http://schemas.microsoft.com/office/powerpoint/2010/main" Requires="p14">
+      <p:transition spd="slow" p14:dur="2000"/>
+    </mc:Choice>
+    <mc:Fallback>
+      <p:transition spd="slow"/>
+    </mc:Fallback>
+  </mc:AlternateContent>
   <p:timing>
     <p:tnLst>
       <p:par>
@@ -42000,6 +42221,632 @@
       </p:grpSpPr>
       <p:sp>
         <p:nvSpPr>
+          <p:cNvPr id="3" name="2 Marcador de texto"/>
+          <p:cNvSpPr>
+            <a:spLocks noGrp="1"/>
+          </p:cNvSpPr>
+          <p:nvPr>
+            <p:ph type="body" idx="1"/>
+          </p:nvPr>
+        </p:nvSpPr>
+        <p:spPr/>
+        <p:txBody>
+          <a:bodyPr/>
+          <a:lstStyle/>
+          <a:p>
+            <a:r>
+              <a:rPr lang="es-ES" dirty="0" smtClean="0"/>
+              <a:t>GSP </a:t>
+            </a:r>
+            <a:r>
+              <a:rPr lang="es-ES" dirty="0" err="1" smtClean="0"/>
+              <a:t>Tags</a:t>
+            </a:r>
+            <a:endParaRPr lang="es-ES" dirty="0"/>
+          </a:p>
+        </p:txBody>
+      </p:sp>
+      <p:sp>
+        <p:nvSpPr>
+          <p:cNvPr id="5" name="4 Marcador de texto"/>
+          <p:cNvSpPr>
+            <a:spLocks noGrp="1"/>
+          </p:cNvSpPr>
+          <p:nvPr>
+            <p:ph type="body" sz="half" idx="3"/>
+          </p:nvPr>
+        </p:nvSpPr>
+        <p:spPr/>
+        <p:txBody>
+          <a:bodyPr/>
+          <a:lstStyle/>
+          <a:p>
+            <a:r>
+              <a:rPr lang="es-ES" dirty="0" err="1" smtClean="0"/>
+              <a:t>TagLib</a:t>
+            </a:r>
+            <a:endParaRPr lang="es-ES" dirty="0"/>
+          </a:p>
+        </p:txBody>
+      </p:sp>
+      <p:sp>
+        <p:nvSpPr>
+          <p:cNvPr id="4" name="3 Marcador de contenido"/>
+          <p:cNvSpPr>
+            <a:spLocks noGrp="1"/>
+          </p:cNvSpPr>
+          <p:nvPr>
+            <p:ph sz="quarter" idx="2"/>
+          </p:nvPr>
+        </p:nvSpPr>
+        <p:spPr/>
+        <p:txBody>
+          <a:bodyPr/>
+          <a:lstStyle/>
+          <a:p>
+            <a:r>
+              <a:rPr lang="en-US" dirty="0"/>
+              <a:t>&lt;</a:t>
+            </a:r>
+            <a:r>
+              <a:rPr lang="en-US" dirty="0" err="1"/>
+              <a:t>g:form</a:t>
+            </a:r>
+            <a:r>
+              <a:rPr lang="en-US" dirty="0"/>
+              <a:t> </a:t>
+            </a:r>
+            <a:r>
+              <a:rPr lang="en-US" dirty="0" err="1" smtClean="0"/>
+              <a:t>url</a:t>
+            </a:r>
+            <a:r>
+              <a:rPr lang="en-US" dirty="0"/>
+              <a:t>="[</a:t>
+            </a:r>
+            <a:r>
+              <a:rPr lang="en-US" dirty="0" err="1"/>
+              <a:t>controller</a:t>
+            </a:r>
+            <a:r>
+              <a:rPr lang="en-US" dirty="0" err="1" smtClean="0"/>
+              <a:t>:'language</a:t>
+            </a:r>
+            <a:r>
+              <a:rPr lang="en-US" dirty="0" smtClean="0"/>
+              <a:t>', </a:t>
+            </a:r>
+          </a:p>
+          <a:p>
+            <a:r>
+              <a:rPr lang="en-US" dirty="0"/>
+              <a:t>	</a:t>
+            </a:r>
+            <a:r>
+              <a:rPr lang="en-US" dirty="0" err="1" smtClean="0"/>
+              <a:t>action</a:t>
+            </a:r>
+            <a:r>
+              <a:rPr lang="en-US" dirty="0" err="1"/>
+              <a:t>:'list</a:t>
+            </a:r>
+            <a:r>
+              <a:rPr lang="en-US" dirty="0" smtClean="0"/>
+              <a:t>']"&gt;</a:t>
+            </a:r>
+          </a:p>
+          <a:p>
+            <a:pPr lvl="1"/>
+            <a:r>
+              <a:rPr lang="en-US" dirty="0"/>
+              <a:t>&lt;</a:t>
+            </a:r>
+            <a:r>
+              <a:rPr lang="en-US" dirty="0" err="1"/>
+              <a:t>g:if</a:t>
+            </a:r>
+            <a:r>
+              <a:rPr lang="en-US" dirty="0"/>
+              <a:t> test</a:t>
+            </a:r>
+            <a:r>
+              <a:rPr lang="en-US" dirty="0" smtClean="0"/>
+              <a:t>="${role=='admin</a:t>
+            </a:r>
+            <a:r>
+              <a:rPr lang="en-US" dirty="0"/>
+              <a:t>'}"&gt; </a:t>
+            </a:r>
+            <a:endParaRPr lang="en-US" dirty="0" smtClean="0"/>
+          </a:p>
+          <a:p>
+            <a:pPr lvl="2"/>
+            <a:r>
+              <a:rPr lang="en-US" dirty="0"/>
+              <a:t>&lt;</a:t>
+            </a:r>
+            <a:r>
+              <a:rPr lang="en-US" dirty="0" err="1"/>
+              <a:t>g:textField</a:t>
+            </a:r>
+            <a:r>
+              <a:rPr lang="en-US" dirty="0"/>
+              <a:t> name="</a:t>
+            </a:r>
+            <a:r>
+              <a:rPr lang="en-US" dirty="0" err="1"/>
+              <a:t>myField</a:t>
+            </a:r>
+            <a:r>
+              <a:rPr lang="en-US" dirty="0"/>
+              <a:t>" </a:t>
+            </a:r>
+            <a:endParaRPr lang="en-US" dirty="0" smtClean="0"/>
+          </a:p>
+          <a:p>
+            <a:pPr lvl="2"/>
+            <a:r>
+              <a:rPr lang="en-US" dirty="0"/>
+              <a:t>	</a:t>
+            </a:r>
+            <a:r>
+              <a:rPr lang="en-US" dirty="0" smtClean="0"/>
+              <a:t>value</a:t>
+            </a:r>
+            <a:r>
+              <a:rPr lang="en-US" dirty="0"/>
+              <a:t>="${</a:t>
+            </a:r>
+            <a:r>
+              <a:rPr lang="en-US" dirty="0" err="1"/>
+              <a:t>myValue</a:t>
+            </a:r>
+            <a:r>
+              <a:rPr lang="en-US" dirty="0"/>
+              <a:t>}" </a:t>
+            </a:r>
+            <a:r>
+              <a:rPr lang="en-US" dirty="0" smtClean="0"/>
+              <a:t>/&gt;</a:t>
+            </a:r>
+          </a:p>
+          <a:p>
+            <a:pPr lvl="2"/>
+            <a:r>
+              <a:rPr lang="en-US" dirty="0"/>
+              <a:t>&lt;</a:t>
+            </a:r>
+            <a:r>
+              <a:rPr lang="en-US" dirty="0" err="1"/>
+              <a:t>g:actionSubmit</a:t>
+            </a:r>
+            <a:r>
+              <a:rPr lang="en-US" dirty="0"/>
+              <a:t> value</a:t>
+            </a:r>
+            <a:r>
+              <a:rPr lang="en-US" dirty="0" smtClean="0"/>
+              <a:t>="Go!" </a:t>
+            </a:r>
+          </a:p>
+          <a:p>
+            <a:pPr lvl="2"/>
+            <a:r>
+              <a:rPr lang="en-US" dirty="0"/>
+              <a:t>	</a:t>
+            </a:r>
+            <a:r>
+              <a:rPr lang="en-US" dirty="0" smtClean="0"/>
+              <a:t>action</a:t>
+            </a:r>
+            <a:r>
+              <a:rPr lang="en-US" dirty="0"/>
+              <a:t>="update" /&gt;</a:t>
+            </a:r>
+            <a:endParaRPr lang="en-US" dirty="0" smtClean="0"/>
+          </a:p>
+          <a:p>
+            <a:pPr lvl="1"/>
+            <a:r>
+              <a:rPr lang="en-US" dirty="0" smtClean="0"/>
+              <a:t>&lt;/</a:t>
+            </a:r>
+            <a:r>
+              <a:rPr lang="en-US" dirty="0" err="1"/>
+              <a:t>g:if</a:t>
+            </a:r>
+            <a:r>
+              <a:rPr lang="en-US" dirty="0"/>
+              <a:t>&gt; </a:t>
+            </a:r>
+            <a:endParaRPr lang="en-US" dirty="0" smtClean="0"/>
+          </a:p>
+          <a:p>
+            <a:pPr lvl="1"/>
+            <a:r>
+              <a:rPr lang="en-US" dirty="0" smtClean="0"/>
+              <a:t>&lt;</a:t>
+            </a:r>
+            <a:r>
+              <a:rPr lang="en-US" dirty="0" err="1"/>
+              <a:t>g:else</a:t>
+            </a:r>
+            <a:r>
+              <a:rPr lang="en-US" dirty="0"/>
+              <a:t>&gt; </a:t>
+            </a:r>
+            <a:endParaRPr lang="en-US" dirty="0" smtClean="0"/>
+          </a:p>
+          <a:p>
+            <a:pPr lvl="2"/>
+            <a:r>
+              <a:rPr lang="es-ES" dirty="0"/>
+              <a:t>&lt;</a:t>
+            </a:r>
+            <a:r>
+              <a:rPr lang="es-ES" dirty="0" err="1"/>
+              <a:t>img</a:t>
+            </a:r>
+            <a:r>
+              <a:rPr lang="es-ES" dirty="0"/>
+              <a:t> </a:t>
+            </a:r>
+            <a:r>
+              <a:rPr lang="es-ES" dirty="0" err="1"/>
+              <a:t>src</a:t>
+            </a:r>
+            <a:r>
+              <a:rPr lang="es-ES" dirty="0"/>
+              <a:t>="${</a:t>
+            </a:r>
+            <a:r>
+              <a:rPr lang="es-ES" dirty="0" err="1"/>
+              <a:t>createLinkTo</a:t>
+            </a:r>
+            <a:r>
+              <a:rPr lang="es-ES" dirty="0"/>
+              <a:t>(</a:t>
+            </a:r>
+            <a:r>
+              <a:rPr lang="es-ES" dirty="0" err="1"/>
+              <a:t>dir</a:t>
+            </a:r>
+            <a:r>
+              <a:rPr lang="es-ES" dirty="0"/>
+              <a:t>: '</a:t>
+            </a:r>
+            <a:r>
+              <a:rPr lang="es-ES" dirty="0" err="1"/>
+              <a:t>images</a:t>
+            </a:r>
+            <a:r>
+              <a:rPr lang="es-ES" dirty="0"/>
+              <a:t>', file</a:t>
+            </a:r>
+            <a:r>
+              <a:rPr lang="es-ES" dirty="0" smtClean="0"/>
+              <a:t>:'error.jpg</a:t>
+            </a:r>
+            <a:r>
+              <a:rPr lang="es-ES" dirty="0"/>
+              <a:t>')}" /&gt;</a:t>
+            </a:r>
+            <a:endParaRPr lang="en-US" dirty="0" smtClean="0"/>
+          </a:p>
+          <a:p>
+            <a:pPr lvl="1"/>
+            <a:r>
+              <a:rPr lang="en-US" dirty="0" smtClean="0"/>
+              <a:t>&lt;/</a:t>
+            </a:r>
+            <a:r>
+              <a:rPr lang="en-US" dirty="0" err="1"/>
+              <a:t>g:else</a:t>
+            </a:r>
+            <a:r>
+              <a:rPr lang="en-US" dirty="0"/>
+              <a:t>&gt;</a:t>
+            </a:r>
+            <a:endParaRPr lang="es-ES" dirty="0"/>
+          </a:p>
+          <a:p>
+            <a:r>
+              <a:rPr lang="en-US" dirty="0" smtClean="0"/>
+              <a:t>&lt;/</a:t>
+            </a:r>
+            <a:r>
+              <a:rPr lang="en-US" dirty="0" err="1"/>
+              <a:t>g:form</a:t>
+            </a:r>
+            <a:r>
+              <a:rPr lang="en-US" dirty="0" smtClean="0"/>
+              <a:t>&gt;</a:t>
+            </a:r>
+          </a:p>
+        </p:txBody>
+      </p:sp>
+      <p:sp>
+        <p:nvSpPr>
+          <p:cNvPr id="6" name="5 Marcador de contenido"/>
+          <p:cNvSpPr>
+            <a:spLocks noGrp="1"/>
+          </p:cNvSpPr>
+          <p:nvPr>
+            <p:ph sz="quarter" idx="4"/>
+          </p:nvPr>
+        </p:nvSpPr>
+        <p:spPr/>
+        <p:txBody>
+          <a:bodyPr>
+            <a:normAutofit/>
+          </a:bodyPr>
+          <a:lstStyle/>
+          <a:p>
+            <a:r>
+              <a:rPr lang="en-US" dirty="0"/>
+              <a:t>class </a:t>
+            </a:r>
+            <a:r>
+              <a:rPr lang="en-US" dirty="0" err="1"/>
+              <a:t>SimpleTagLib</a:t>
+            </a:r>
+            <a:r>
+              <a:rPr lang="en-US" dirty="0"/>
+              <a:t> { </a:t>
+            </a:r>
+            <a:endParaRPr lang="en-US" dirty="0" smtClean="0"/>
+          </a:p>
+          <a:p>
+            <a:pPr lvl="1"/>
+            <a:r>
+              <a:rPr lang="en-US" dirty="0" smtClean="0">
+                <a:solidFill>
+                  <a:schemeClr val="tx1"/>
+                </a:solidFill>
+              </a:rPr>
+              <a:t>static namespace = </a:t>
+            </a:r>
+            <a:r>
+              <a:rPr lang="en-US" dirty="0" smtClean="0">
+                <a:solidFill>
+                  <a:schemeClr val="bg2">
+                    <a:lumMod val="50000"/>
+                  </a:schemeClr>
+                </a:solidFill>
+              </a:rPr>
+              <a:t>"other"</a:t>
+            </a:r>
+          </a:p>
+          <a:p>
+            <a:pPr lvl="1"/>
+            <a:r>
+              <a:rPr lang="en-US" dirty="0" err="1" smtClean="0">
+                <a:solidFill>
+                  <a:schemeClr val="bg2">
+                    <a:lumMod val="50000"/>
+                  </a:schemeClr>
+                </a:solidFill>
+              </a:rPr>
+              <a:t>def</a:t>
+            </a:r>
+            <a:r>
+              <a:rPr lang="en-US" dirty="0" smtClean="0">
+                <a:solidFill>
+                  <a:schemeClr val="bg2">
+                    <a:lumMod val="50000"/>
+                  </a:schemeClr>
+                </a:solidFill>
+              </a:rPr>
+              <a:t> </a:t>
+            </a:r>
+            <a:r>
+              <a:rPr lang="en-US" dirty="0"/>
+              <a:t>emoticon = { </a:t>
+            </a:r>
+            <a:endParaRPr lang="en-US" dirty="0" smtClean="0"/>
+          </a:p>
+          <a:p>
+            <a:pPr lvl="2"/>
+            <a:r>
+              <a:rPr lang="en-US" dirty="0" err="1" smtClean="0"/>
+              <a:t>attrs</a:t>
+            </a:r>
+            <a:r>
+              <a:rPr lang="en-US" dirty="0"/>
+              <a:t>, body -&gt; </a:t>
+            </a:r>
+            <a:endParaRPr lang="en-US" dirty="0" smtClean="0"/>
+          </a:p>
+          <a:p>
+            <a:pPr lvl="2"/>
+            <a:r>
+              <a:rPr lang="en-US" dirty="0" smtClean="0"/>
+              <a:t>out </a:t>
+            </a:r>
+            <a:r>
+              <a:rPr lang="en-US" dirty="0"/>
+              <a:t>&lt;&lt; body() &lt;&lt; </a:t>
+            </a:r>
+            <a:endParaRPr lang="en-US" dirty="0" smtClean="0"/>
+          </a:p>
+          <a:p>
+            <a:pPr lvl="2"/>
+            <a:r>
+              <a:rPr lang="en-US" dirty="0" smtClean="0"/>
+              <a:t>	(</a:t>
+            </a:r>
+            <a:r>
+              <a:rPr lang="en-US" dirty="0" err="1" smtClean="0"/>
+              <a:t>attrs.happy</a:t>
+            </a:r>
+            <a:r>
+              <a:rPr lang="en-US" dirty="0" smtClean="0"/>
+              <a:t>==</a:t>
+            </a:r>
+            <a:r>
+              <a:rPr lang="en-US" dirty="0" smtClean="0">
+                <a:solidFill>
+                  <a:schemeClr val="bg2">
+                    <a:lumMod val="50000"/>
+                  </a:schemeClr>
+                </a:solidFill>
+              </a:rPr>
+              <a:t>'true'</a:t>
+            </a:r>
+            <a:r>
+              <a:rPr lang="en-US" dirty="0" smtClean="0"/>
+              <a:t>) ? </a:t>
+            </a:r>
+          </a:p>
+          <a:p>
+            <a:pPr lvl="2"/>
+            <a:r>
+              <a:rPr lang="en-US" dirty="0"/>
+              <a:t>	</a:t>
+            </a:r>
+            <a:r>
+              <a:rPr lang="en-US" dirty="0" smtClean="0">
+                <a:solidFill>
+                  <a:schemeClr val="bg2">
+                    <a:lumMod val="50000"/>
+                  </a:schemeClr>
+                </a:solidFill>
+              </a:rPr>
+              <a:t>" </a:t>
+            </a:r>
+            <a:r>
+              <a:rPr lang="en-US" dirty="0">
+                <a:solidFill>
+                  <a:schemeClr val="bg2">
+                    <a:lumMod val="50000"/>
+                  </a:schemeClr>
+                </a:solidFill>
+              </a:rPr>
+              <a:t>:-)"</a:t>
+            </a:r>
+            <a:r>
+              <a:rPr lang="en-US" dirty="0">
+                <a:solidFill>
+                  <a:schemeClr val="bg2">
+                    <a:lumMod val="50000"/>
+                  </a:schemeClr>
+                </a:solidFill>
+              </a:rPr>
+              <a:t> </a:t>
+            </a:r>
+            <a:r>
+              <a:rPr lang="en-US" dirty="0"/>
+              <a:t>: </a:t>
+            </a:r>
+            <a:r>
+              <a:rPr lang="en-US" dirty="0">
+                <a:solidFill>
+                  <a:schemeClr val="bg2">
+                    <a:lumMod val="50000"/>
+                  </a:schemeClr>
+                </a:solidFill>
+              </a:rPr>
+              <a:t>" </a:t>
+            </a:r>
+            <a:r>
+              <a:rPr lang="en-US" dirty="0" smtClean="0">
+                <a:solidFill>
+                  <a:schemeClr val="bg2">
+                    <a:lumMod val="50000"/>
+                  </a:schemeClr>
+                </a:solidFill>
+              </a:rPr>
+              <a:t>:-("</a:t>
+            </a:r>
+            <a:r>
+              <a:rPr lang="en-US" dirty="0" smtClean="0"/>
+              <a:t> </a:t>
+            </a:r>
+          </a:p>
+          <a:p>
+            <a:pPr lvl="1"/>
+            <a:r>
+              <a:rPr lang="en-US" dirty="0" smtClean="0"/>
+              <a:t>} </a:t>
+            </a:r>
+          </a:p>
+          <a:p>
+            <a:r>
+              <a:rPr lang="en-US" dirty="0" smtClean="0"/>
+              <a:t>}</a:t>
+            </a:r>
+          </a:p>
+          <a:p>
+            <a:endParaRPr lang="en-US" dirty="0"/>
+          </a:p>
+          <a:p>
+            <a:r>
+              <a:rPr lang="en-US" dirty="0" smtClean="0"/>
+              <a:t>&lt;</a:t>
+            </a:r>
+            <a:r>
+              <a:rPr lang="en-US" dirty="0" err="1" smtClean="0"/>
+              <a:t>other:emoticon</a:t>
+            </a:r>
+            <a:r>
+              <a:rPr lang="en-US" dirty="0" smtClean="0"/>
+              <a:t> </a:t>
+            </a:r>
+            <a:r>
+              <a:rPr lang="en-US" dirty="0"/>
+              <a:t>happy=</a:t>
+            </a:r>
+            <a:r>
+              <a:rPr lang="en-US" dirty="0">
+                <a:solidFill>
+                  <a:schemeClr val="bg2">
+                    <a:lumMod val="50000"/>
+                  </a:schemeClr>
+                </a:solidFill>
+              </a:rPr>
+              <a:t>"true</a:t>
+            </a:r>
+            <a:r>
+              <a:rPr lang="en-US" dirty="0" smtClean="0">
+                <a:solidFill>
+                  <a:schemeClr val="bg2">
+                    <a:lumMod val="50000"/>
+                  </a:schemeClr>
+                </a:solidFill>
+              </a:rPr>
+              <a:t>"</a:t>
+            </a:r>
+            <a:r>
+              <a:rPr lang="en-US" dirty="0" smtClean="0"/>
+              <a:t>&gt;</a:t>
+            </a:r>
+          </a:p>
+          <a:p>
+            <a:pPr lvl="1"/>
+            <a:r>
+              <a:rPr lang="en-US" dirty="0" smtClean="0"/>
+              <a:t>Hi John</a:t>
+            </a:r>
+          </a:p>
+          <a:p>
+            <a:r>
+              <a:rPr lang="en-US" dirty="0" smtClean="0"/>
+              <a:t>&lt;/</a:t>
+            </a:r>
+            <a:r>
+              <a:rPr lang="en-US" dirty="0" err="1" smtClean="0"/>
+              <a:t>other:emoticon</a:t>
+            </a:r>
+            <a:r>
+              <a:rPr lang="en-US" dirty="0"/>
+              <a:t>&gt;</a:t>
+            </a:r>
+            <a:endParaRPr lang="es-ES" dirty="0"/>
+          </a:p>
+        </p:txBody>
+      </p:sp>
+      <p:sp>
+        <p:nvSpPr>
           <p:cNvPr id="2" name="1 Título"/>
           <p:cNvSpPr>
             <a:spLocks noGrp="1"/>
@@ -42035,33 +42882,10 @@
           </a:p>
         </p:txBody>
       </p:sp>
-      <p:sp>
-        <p:nvSpPr>
-          <p:cNvPr id="4" name="3 Marcador de contenido"/>
-          <p:cNvSpPr>
-            <a:spLocks noGrp="1"/>
-          </p:cNvSpPr>
-          <p:nvPr>
-            <p:ph sz="quarter" idx="1"/>
-          </p:nvPr>
-        </p:nvSpPr>
-        <p:spPr/>
-        <p:txBody>
-          <a:bodyPr/>
-          <a:lstStyle/>
-          <a:p>
-            <a:r>
-              <a:rPr lang="es-ES" dirty="0" err="1" smtClean="0"/>
-              <a:t>Taglibs</a:t>
-            </a:r>
-            <a:endParaRPr lang="es-ES" dirty="0"/>
-          </a:p>
-        </p:txBody>
-      </p:sp>
     </p:spTree>
     <p:extLst>
       <p:ext uri="{BB962C8B-B14F-4D97-AF65-F5344CB8AC3E}">
-        <p14:creationId xmlns:p14="http://schemas.microsoft.com/office/powerpoint/2010/main" val="2651253296"/>
+        <p14:creationId xmlns:p14="http://schemas.microsoft.com/office/powerpoint/2010/main" val="513576891"/>
       </p:ext>
     </p:extLst>
   </p:cSld>
@@ -42113,8 +42937,20 @@
           <a:lstStyle/>
           <a:p>
             <a:r>
-              <a:rPr lang="en-US" sz="3600" dirty="0"/>
-              <a:t>2.7. Unit and Integration Testing</a:t>
+              <a:rPr lang="es-ES" sz="3600" dirty="0"/>
+              <a:t>2.6. </a:t>
+            </a:r>
+            <a:r>
+              <a:rPr lang="es-ES" sz="3600" dirty="0" err="1"/>
+              <a:t>The</a:t>
+            </a:r>
+            <a:r>
+              <a:rPr lang="es-ES" sz="3600" dirty="0"/>
+              <a:t> Web </a:t>
+            </a:r>
+            <a:r>
+              <a:rPr lang="es-ES" sz="3600" dirty="0" err="1" smtClean="0"/>
+              <a:t>Layer</a:t>
             </a:r>
             <a:endParaRPr lang="es-ES" dirty="0"/>
           </a:p>
@@ -42122,7 +42958,7 @@
       </p:sp>
       <p:sp>
         <p:nvSpPr>
-          <p:cNvPr id="3" name="2 Marcador de contenido"/>
+          <p:cNvPr id="4" name="3 Marcador de contenido"/>
           <p:cNvSpPr>
             <a:spLocks noGrp="1"/>
           </p:cNvSpPr>
@@ -42136,54 +42972,247 @@
           <a:lstStyle/>
           <a:p>
             <a:r>
-              <a:rPr lang="en-US" dirty="0" smtClean="0"/>
-              <a:t>Unit testing</a:t>
-            </a:r>
-          </a:p>
-          <a:p>
-            <a:pPr lvl="1"/>
-            <a:r>
-              <a:rPr lang="en-US" dirty="0" smtClean="0"/>
-              <a:t>Fast, bounded to one layer, use of mocks</a:t>
-            </a:r>
-          </a:p>
-          <a:p>
-            <a:pPr lvl="1"/>
-            <a:r>
-              <a:rPr lang="en-US" dirty="0" smtClean="0"/>
-              <a:t>JUnit, Spock</a:t>
-            </a:r>
-          </a:p>
-          <a:p>
-            <a:r>
-              <a:rPr lang="en-US" dirty="0" smtClean="0"/>
-              <a:t>Integration testing</a:t>
-            </a:r>
-          </a:p>
-          <a:p>
-            <a:pPr lvl="1"/>
-            <a:r>
-              <a:rPr lang="en-US" dirty="0" smtClean="0"/>
-              <a:t>Among several layers, using servers and testing data</a:t>
-            </a:r>
-          </a:p>
-          <a:p>
-            <a:pPr lvl="1"/>
-            <a:r>
-              <a:rPr lang="en-US" dirty="0" err="1" smtClean="0"/>
-              <a:t>BootStrap.groovy</a:t>
-            </a:r>
-            <a:endParaRPr lang="en-US" dirty="0" smtClean="0"/>
-          </a:p>
-          <a:p>
-            <a:endParaRPr lang="en-US" dirty="0" smtClean="0"/>
+              <a:rPr lang="es-ES" dirty="0" err="1" smtClean="0"/>
+              <a:t>Interceptors</a:t>
+            </a:r>
+            <a:endParaRPr lang="es-ES" dirty="0" smtClean="0"/>
+          </a:p>
+          <a:p>
+            <a:pPr lvl="1"/>
+            <a:r>
+              <a:rPr lang="es-ES" dirty="0" err="1" smtClean="0"/>
+              <a:t>Controllers</a:t>
+            </a:r>
+            <a:r>
+              <a:rPr lang="es-ES" dirty="0" smtClean="0"/>
+              <a:t> </a:t>
+            </a:r>
+            <a:r>
+              <a:rPr lang="es-ES" dirty="0" err="1" smtClean="0"/>
+              <a:t>support</a:t>
+            </a:r>
+            <a:r>
+              <a:rPr lang="es-ES" dirty="0" smtClean="0"/>
+              <a:t> </a:t>
+            </a:r>
+            <a:r>
+              <a:rPr lang="es-ES" dirty="0" err="1" smtClean="0"/>
+              <a:t>before</a:t>
+            </a:r>
+            <a:r>
+              <a:rPr lang="es-ES" dirty="0" smtClean="0"/>
+              <a:t> and </a:t>
+            </a:r>
+            <a:r>
+              <a:rPr lang="es-ES" dirty="0" err="1" smtClean="0"/>
+              <a:t>after</a:t>
+            </a:r>
+            <a:r>
+              <a:rPr lang="es-ES" dirty="0" smtClean="0"/>
+              <a:t> </a:t>
+            </a:r>
+            <a:r>
+              <a:rPr lang="es-ES" dirty="0" err="1" smtClean="0"/>
+              <a:t>interceptors</a:t>
+            </a:r>
+            <a:endParaRPr lang="es-ES" dirty="0" smtClean="0"/>
+          </a:p>
+          <a:p>
+            <a:pPr lvl="1"/>
+            <a:r>
+              <a:rPr lang="es-ES" b="1" dirty="0" err="1" smtClean="0">
+                <a:latin typeface="Courier New" panose="02070309020205020404" pitchFamily="49" charset="0"/>
+                <a:cs typeface="Courier New" panose="02070309020205020404" pitchFamily="49" charset="0"/>
+              </a:rPr>
+              <a:t>beforeInteceptor</a:t>
+            </a:r>
+            <a:endParaRPr lang="es-ES" dirty="0" smtClean="0"/>
+          </a:p>
+          <a:p>
+            <a:pPr lvl="2"/>
+            <a:r>
+              <a:rPr lang="es-ES" dirty="0" err="1" smtClean="0"/>
+              <a:t>Triggered</a:t>
+            </a:r>
+            <a:r>
+              <a:rPr lang="es-ES" dirty="0" smtClean="0"/>
+              <a:t> </a:t>
+            </a:r>
+            <a:r>
+              <a:rPr lang="es-ES" dirty="0" err="1" smtClean="0"/>
+              <a:t>before</a:t>
+            </a:r>
+            <a:r>
+              <a:rPr lang="es-ES" dirty="0" smtClean="0"/>
+              <a:t> </a:t>
+            </a:r>
+            <a:r>
+              <a:rPr lang="es-ES" dirty="0" err="1" smtClean="0"/>
+              <a:t>the</a:t>
+            </a:r>
+            <a:r>
+              <a:rPr lang="es-ES" dirty="0" smtClean="0"/>
+              <a:t> </a:t>
+            </a:r>
+            <a:r>
+              <a:rPr lang="es-ES" dirty="0" err="1" smtClean="0"/>
+              <a:t>action</a:t>
+            </a:r>
+            <a:endParaRPr lang="es-ES" dirty="0" smtClean="0"/>
+          </a:p>
+          <a:p>
+            <a:pPr lvl="2"/>
+            <a:r>
+              <a:rPr lang="es-ES" dirty="0" smtClean="0"/>
+              <a:t>Can cancel </a:t>
+            </a:r>
+            <a:r>
+              <a:rPr lang="es-ES" dirty="0" err="1" smtClean="0"/>
+              <a:t>the</a:t>
+            </a:r>
+            <a:r>
+              <a:rPr lang="es-ES" dirty="0" smtClean="0"/>
+              <a:t> </a:t>
+            </a:r>
+            <a:r>
+              <a:rPr lang="es-ES" dirty="0" err="1" smtClean="0"/>
+              <a:t>action</a:t>
+            </a:r>
+            <a:r>
+              <a:rPr lang="es-ES" dirty="0" smtClean="0"/>
+              <a:t> </a:t>
+            </a:r>
+            <a:r>
+              <a:rPr lang="es-ES" dirty="0" err="1" smtClean="0"/>
+              <a:t>returning</a:t>
+            </a:r>
+            <a:r>
+              <a:rPr lang="es-ES" dirty="0" smtClean="0"/>
+              <a:t> false</a:t>
+            </a:r>
+            <a:endParaRPr lang="es-ES" dirty="0" smtClean="0"/>
+          </a:p>
+          <a:p>
+            <a:pPr lvl="1"/>
+            <a:r>
+              <a:rPr lang="es-ES" b="1" dirty="0" err="1" smtClean="0">
+                <a:solidFill>
+                  <a:schemeClr val="bg2">
+                    <a:lumMod val="50000"/>
+                  </a:schemeClr>
+                </a:solidFill>
+                <a:latin typeface="Courier New" panose="02070309020205020404" pitchFamily="49" charset="0"/>
+                <a:cs typeface="Courier New" panose="02070309020205020404" pitchFamily="49" charset="0"/>
+              </a:rPr>
+              <a:t>afterInterceptor</a:t>
+            </a:r>
+            <a:endParaRPr lang="es-ES" dirty="0" smtClean="0"/>
+          </a:p>
+          <a:p>
+            <a:pPr lvl="2"/>
+            <a:r>
+              <a:rPr lang="es-ES" dirty="0" err="1" smtClean="0"/>
+              <a:t>Triggered</a:t>
+            </a:r>
+            <a:r>
+              <a:rPr lang="es-ES" dirty="0" smtClean="0"/>
+              <a:t> </a:t>
+            </a:r>
+            <a:r>
+              <a:rPr lang="es-ES" dirty="0" err="1" smtClean="0"/>
+              <a:t>after</a:t>
+            </a:r>
+            <a:r>
+              <a:rPr lang="es-ES" dirty="0" smtClean="0"/>
+              <a:t> </a:t>
+            </a:r>
+            <a:r>
+              <a:rPr lang="es-ES" dirty="0" err="1" smtClean="0"/>
+              <a:t>the</a:t>
+            </a:r>
+            <a:r>
+              <a:rPr lang="es-ES" dirty="0" smtClean="0"/>
+              <a:t> </a:t>
+            </a:r>
+            <a:r>
+              <a:rPr lang="es-ES" dirty="0" err="1" smtClean="0"/>
+              <a:t>action</a:t>
+            </a:r>
+            <a:endParaRPr lang="es-ES" dirty="0" smtClean="0"/>
+          </a:p>
+          <a:p>
+            <a:pPr lvl="2"/>
+            <a:r>
+              <a:rPr lang="es-ES" dirty="0" smtClean="0"/>
+              <a:t>Captures </a:t>
+            </a:r>
+            <a:r>
+              <a:rPr lang="es-ES" dirty="0" err="1" smtClean="0"/>
+              <a:t>ModelAndView</a:t>
+            </a:r>
+            <a:r>
+              <a:rPr lang="es-ES" dirty="0" smtClean="0"/>
+              <a:t> data</a:t>
+            </a:r>
+          </a:p>
+          <a:p>
+            <a:pPr lvl="2"/>
+            <a:r>
+              <a:rPr lang="es-ES" dirty="0" err="1" smtClean="0"/>
+              <a:t>Allows</a:t>
+            </a:r>
+            <a:r>
+              <a:rPr lang="es-ES" dirty="0" smtClean="0"/>
+              <a:t> to </a:t>
+            </a:r>
+            <a:r>
+              <a:rPr lang="es-ES" dirty="0" err="1" smtClean="0"/>
+              <a:t>redirect</a:t>
+            </a:r>
+            <a:r>
+              <a:rPr lang="es-ES" dirty="0" smtClean="0"/>
+              <a:t> to </a:t>
+            </a:r>
+            <a:r>
+              <a:rPr lang="es-ES" dirty="0" err="1" smtClean="0"/>
+              <a:t>another</a:t>
+            </a:r>
+            <a:r>
+              <a:rPr lang="es-ES" dirty="0" smtClean="0"/>
+              <a:t> View </a:t>
+            </a:r>
+            <a:r>
+              <a:rPr lang="es-ES" dirty="0" err="1" smtClean="0"/>
+              <a:t>or</a:t>
+            </a:r>
+            <a:r>
+              <a:rPr lang="es-ES" dirty="0" smtClean="0"/>
+              <a:t> </a:t>
+            </a:r>
+            <a:r>
+              <a:rPr lang="es-ES" dirty="0" err="1" smtClean="0"/>
+              <a:t>change</a:t>
+            </a:r>
+            <a:r>
+              <a:rPr lang="es-ES" dirty="0" smtClean="0"/>
+              <a:t> </a:t>
+            </a:r>
+            <a:r>
+              <a:rPr lang="es-ES" dirty="0" err="1" smtClean="0"/>
+              <a:t>Model</a:t>
+            </a:r>
+            <a:r>
+              <a:rPr lang="es-ES" dirty="0" smtClean="0"/>
+              <a:t> data</a:t>
+            </a:r>
+            <a:endParaRPr lang="es-ES" dirty="0"/>
           </a:p>
         </p:txBody>
       </p:sp>
     </p:spTree>
     <p:extLst>
       <p:ext uri="{BB962C8B-B14F-4D97-AF65-F5344CB8AC3E}">
-        <p14:creationId xmlns:p14="http://schemas.microsoft.com/office/powerpoint/2010/main" val="233359050"/>
+        <p14:creationId xmlns:p14="http://schemas.microsoft.com/office/powerpoint/2010/main" val="2651253296"/>
       </p:ext>
     </p:extLst>
   </p:cSld>
@@ -42219,6 +43248,1123 @@
       </p:grpSpPr>
       <p:sp>
         <p:nvSpPr>
+          <p:cNvPr id="3" name="2 Marcador de texto"/>
+          <p:cNvSpPr>
+            <a:spLocks noGrp="1"/>
+          </p:cNvSpPr>
+          <p:nvPr>
+            <p:ph type="body" idx="1"/>
+          </p:nvPr>
+        </p:nvSpPr>
+        <p:spPr/>
+        <p:txBody>
+          <a:bodyPr/>
+          <a:lstStyle/>
+          <a:p>
+            <a:r>
+              <a:rPr lang="es-ES" dirty="0" err="1" smtClean="0"/>
+              <a:t>Interceptors</a:t>
+            </a:r>
+            <a:endParaRPr lang="es-ES" dirty="0"/>
+          </a:p>
+        </p:txBody>
+      </p:sp>
+      <p:sp>
+        <p:nvSpPr>
+          <p:cNvPr id="5" name="4 Marcador de texto"/>
+          <p:cNvSpPr>
+            <a:spLocks noGrp="1"/>
+          </p:cNvSpPr>
+          <p:nvPr>
+            <p:ph type="body" sz="half" idx="3"/>
+          </p:nvPr>
+        </p:nvSpPr>
+        <p:spPr/>
+        <p:txBody>
+          <a:bodyPr/>
+          <a:lstStyle/>
+          <a:p>
+            <a:endParaRPr lang="es-ES" dirty="0"/>
+          </a:p>
+        </p:txBody>
+      </p:sp>
+      <p:sp>
+        <p:nvSpPr>
+          <p:cNvPr id="4" name="3 Marcador de contenido"/>
+          <p:cNvSpPr>
+            <a:spLocks noGrp="1"/>
+          </p:cNvSpPr>
+          <p:nvPr>
+            <p:ph sz="quarter" idx="2"/>
+          </p:nvPr>
+        </p:nvSpPr>
+        <p:spPr/>
+        <p:txBody>
+          <a:bodyPr/>
+          <a:lstStyle/>
+          <a:p>
+            <a:r>
+              <a:rPr lang="es-ES" dirty="0" err="1"/>
+              <a:t>class</a:t>
+            </a:r>
+            <a:r>
+              <a:rPr lang="es-ES" dirty="0"/>
+              <a:t> </a:t>
+            </a:r>
+            <a:r>
+              <a:rPr lang="es-ES" dirty="0" err="1"/>
+              <a:t>HelloController</a:t>
+            </a:r>
+            <a:r>
+              <a:rPr lang="es-ES" dirty="0"/>
+              <a:t> { </a:t>
+            </a:r>
+          </a:p>
+          <a:p>
+            <a:pPr lvl="1"/>
+            <a:r>
+              <a:rPr lang="es-ES" dirty="0" smtClean="0">
+                <a:solidFill>
+                  <a:schemeClr val="bg2">
+                    <a:lumMod val="50000"/>
+                  </a:schemeClr>
+                </a:solidFill>
+              </a:rPr>
+              <a:t>// run </a:t>
+            </a:r>
+            <a:r>
+              <a:rPr lang="es-ES" dirty="0" err="1" smtClean="0">
+                <a:solidFill>
+                  <a:schemeClr val="bg2">
+                    <a:lumMod val="50000"/>
+                  </a:schemeClr>
+                </a:solidFill>
+              </a:rPr>
+              <a:t>for</a:t>
+            </a:r>
+            <a:r>
+              <a:rPr lang="es-ES" dirty="0" smtClean="0">
+                <a:solidFill>
+                  <a:schemeClr val="bg2">
+                    <a:lumMod val="50000"/>
+                  </a:schemeClr>
+                </a:solidFill>
+              </a:rPr>
+              <a:t> </a:t>
+            </a:r>
+            <a:r>
+              <a:rPr lang="es-ES" dirty="0" err="1" smtClean="0">
+                <a:solidFill>
+                  <a:schemeClr val="bg2">
+                    <a:lumMod val="50000"/>
+                  </a:schemeClr>
+                </a:solidFill>
+              </a:rPr>
+              <a:t>every</a:t>
+            </a:r>
+            <a:r>
+              <a:rPr lang="es-ES" dirty="0" smtClean="0">
+                <a:solidFill>
+                  <a:schemeClr val="bg2">
+                    <a:lumMod val="50000"/>
+                  </a:schemeClr>
+                </a:solidFill>
+              </a:rPr>
+              <a:t> </a:t>
+            </a:r>
+            <a:r>
+              <a:rPr lang="es-ES" dirty="0" err="1" smtClean="0">
+                <a:solidFill>
+                  <a:schemeClr val="bg2">
+                    <a:lumMod val="50000"/>
+                  </a:schemeClr>
+                </a:solidFill>
+              </a:rPr>
+              <a:t>action</a:t>
+            </a:r>
+            <a:endParaRPr lang="es-ES" dirty="0" smtClean="0">
+              <a:solidFill>
+                <a:schemeClr val="bg2">
+                  <a:lumMod val="50000"/>
+                </a:schemeClr>
+              </a:solidFill>
+            </a:endParaRPr>
+          </a:p>
+          <a:p>
+            <a:pPr lvl="1"/>
+            <a:r>
+              <a:rPr lang="es-ES" dirty="0" err="1" smtClean="0">
+                <a:solidFill>
+                  <a:schemeClr val="bg2">
+                    <a:lumMod val="50000"/>
+                  </a:schemeClr>
+                </a:solidFill>
+              </a:rPr>
+              <a:t>def</a:t>
+            </a:r>
+            <a:r>
+              <a:rPr lang="es-ES" dirty="0" smtClean="0">
+                <a:solidFill>
+                  <a:schemeClr val="bg2">
+                    <a:lumMod val="50000"/>
+                  </a:schemeClr>
+                </a:solidFill>
+              </a:rPr>
+              <a:t> </a:t>
+            </a:r>
+            <a:r>
+              <a:rPr lang="es-ES" dirty="0" err="1"/>
+              <a:t>beforeInterceptor</a:t>
+            </a:r>
+            <a:r>
+              <a:rPr lang="es-ES" dirty="0"/>
+              <a:t> = { </a:t>
+            </a:r>
+            <a:endParaRPr lang="es-ES" dirty="0" smtClean="0"/>
+          </a:p>
+          <a:p>
+            <a:pPr lvl="2"/>
+            <a:r>
+              <a:rPr lang="es-ES" dirty="0" err="1" smtClean="0"/>
+              <a:t>println</a:t>
+            </a:r>
+            <a:r>
+              <a:rPr lang="es-ES" dirty="0" smtClean="0"/>
+              <a:t> </a:t>
+            </a:r>
+            <a:r>
+              <a:rPr lang="es-ES" dirty="0" smtClean="0">
+                <a:solidFill>
+                  <a:schemeClr val="bg2">
+                    <a:lumMod val="50000"/>
+                  </a:schemeClr>
+                </a:solidFill>
+              </a:rPr>
+              <a:t>"</a:t>
+            </a:r>
+            <a:r>
+              <a:rPr lang="es-ES" dirty="0" err="1" smtClean="0">
+                <a:solidFill>
+                  <a:schemeClr val="bg2">
+                    <a:lumMod val="50000"/>
+                  </a:schemeClr>
+                </a:solidFill>
+              </a:rPr>
+              <a:t>Captured</a:t>
+            </a:r>
+            <a:r>
+              <a:rPr lang="es-ES" dirty="0" smtClean="0">
+                <a:solidFill>
+                  <a:schemeClr val="bg2">
+                    <a:lumMod val="50000"/>
+                  </a:schemeClr>
+                </a:solidFill>
+              </a:rPr>
+              <a:t> ${</a:t>
+            </a:r>
+            <a:r>
+              <a:rPr lang="es-ES" dirty="0" err="1">
+                <a:solidFill>
+                  <a:schemeClr val="bg2">
+                    <a:lumMod val="50000"/>
+                  </a:schemeClr>
+                </a:solidFill>
+              </a:rPr>
+              <a:t>actionUri</a:t>
+            </a:r>
+            <a:r>
+              <a:rPr lang="es-ES" dirty="0">
+                <a:solidFill>
+                  <a:schemeClr val="bg2">
+                    <a:lumMod val="50000"/>
+                  </a:schemeClr>
+                </a:solidFill>
+              </a:rPr>
+              <a:t>}"</a:t>
+            </a:r>
+            <a:r>
+              <a:rPr lang="es-ES" dirty="0">
+                <a:solidFill>
+                  <a:schemeClr val="bg2">
+                    <a:lumMod val="50000"/>
+                  </a:schemeClr>
+                </a:solidFill>
+              </a:rPr>
+              <a:t> </a:t>
+            </a:r>
+            <a:endParaRPr lang="es-ES" dirty="0" smtClean="0">
+              <a:solidFill>
+                <a:schemeClr val="bg2">
+                  <a:lumMod val="50000"/>
+                </a:schemeClr>
+              </a:solidFill>
+            </a:endParaRPr>
+          </a:p>
+          <a:p>
+            <a:pPr lvl="1"/>
+            <a:r>
+              <a:rPr lang="es-ES" dirty="0" smtClean="0"/>
+              <a:t>}</a:t>
+            </a:r>
+          </a:p>
+          <a:p>
+            <a:r>
+              <a:rPr lang="es-ES" dirty="0" smtClean="0"/>
+              <a:t>}</a:t>
+            </a:r>
+          </a:p>
+          <a:p>
+            <a:endParaRPr lang="es-ES" dirty="0"/>
+          </a:p>
+          <a:p>
+            <a:r>
+              <a:rPr lang="es-ES" dirty="0" smtClean="0">
+                <a:solidFill>
+                  <a:schemeClr val="bg2">
+                    <a:lumMod val="50000"/>
+                  </a:schemeClr>
+                </a:solidFill>
+              </a:rPr>
+              <a:t>// </a:t>
+            </a:r>
+            <a:r>
+              <a:rPr lang="es-ES" dirty="0" err="1" smtClean="0">
+                <a:solidFill>
+                  <a:schemeClr val="bg2">
+                    <a:lumMod val="50000"/>
+                  </a:schemeClr>
+                </a:solidFill>
+              </a:rPr>
+              <a:t>call</a:t>
+            </a:r>
+            <a:r>
+              <a:rPr lang="es-ES" dirty="0" smtClean="0">
+                <a:solidFill>
+                  <a:schemeClr val="bg2">
+                    <a:lumMod val="50000"/>
+                  </a:schemeClr>
+                </a:solidFill>
+              </a:rPr>
+              <a:t> </a:t>
+            </a:r>
+            <a:r>
+              <a:rPr lang="es-ES" dirty="0" err="1" smtClean="0">
+                <a:solidFill>
+                  <a:schemeClr val="bg2">
+                    <a:lumMod val="50000"/>
+                  </a:schemeClr>
+                </a:solidFill>
+              </a:rPr>
+              <a:t>method</a:t>
+            </a:r>
+            <a:r>
+              <a:rPr lang="es-ES" dirty="0" smtClean="0">
+                <a:solidFill>
+                  <a:schemeClr val="bg2">
+                    <a:lumMod val="50000"/>
+                  </a:schemeClr>
+                </a:solidFill>
+              </a:rPr>
+              <a:t> </a:t>
+            </a:r>
+            <a:r>
+              <a:rPr lang="es-ES" dirty="0" err="1" smtClean="0">
+                <a:solidFill>
+                  <a:schemeClr val="bg2">
+                    <a:lumMod val="50000"/>
+                  </a:schemeClr>
+                </a:solidFill>
+              </a:rPr>
+              <a:t>something</a:t>
+            </a:r>
+            <a:r>
+              <a:rPr lang="es-ES" dirty="0" smtClean="0">
+                <a:solidFill>
+                  <a:schemeClr val="bg2">
+                    <a:lumMod val="50000"/>
+                  </a:schemeClr>
+                </a:solidFill>
+              </a:rPr>
+              <a:t>() </a:t>
+            </a:r>
+            <a:r>
+              <a:rPr lang="es-ES" dirty="0" err="1" smtClean="0">
+                <a:solidFill>
+                  <a:schemeClr val="bg2">
+                    <a:lumMod val="50000"/>
+                  </a:schemeClr>
+                </a:solidFill>
+              </a:rPr>
+              <a:t>except</a:t>
+            </a:r>
+            <a:endParaRPr lang="es-ES" dirty="0" smtClean="0">
+              <a:solidFill>
+                <a:schemeClr val="bg2">
+                  <a:lumMod val="50000"/>
+                </a:schemeClr>
+              </a:solidFill>
+            </a:endParaRPr>
+          </a:p>
+          <a:p>
+            <a:r>
+              <a:rPr lang="es-ES" dirty="0" smtClean="0">
+                <a:solidFill>
+                  <a:schemeClr val="bg2">
+                    <a:lumMod val="50000"/>
+                  </a:schemeClr>
+                </a:solidFill>
+              </a:rPr>
+              <a:t>// </a:t>
+            </a:r>
+            <a:r>
+              <a:rPr lang="es-ES" dirty="0" err="1" smtClean="0">
+                <a:solidFill>
+                  <a:schemeClr val="bg2">
+                    <a:lumMod val="50000"/>
+                  </a:schemeClr>
+                </a:solidFill>
+              </a:rPr>
+              <a:t>when</a:t>
+            </a:r>
+            <a:r>
+              <a:rPr lang="es-ES" dirty="0" smtClean="0">
+                <a:solidFill>
+                  <a:schemeClr val="bg2">
+                    <a:lumMod val="50000"/>
+                  </a:schemeClr>
+                </a:solidFill>
+              </a:rPr>
+              <a:t> </a:t>
+            </a:r>
+            <a:r>
+              <a:rPr lang="es-ES" dirty="0" err="1" smtClean="0">
+                <a:solidFill>
+                  <a:schemeClr val="bg2">
+                    <a:lumMod val="50000"/>
+                  </a:schemeClr>
+                </a:solidFill>
+              </a:rPr>
+              <a:t>running</a:t>
+            </a:r>
+            <a:r>
+              <a:rPr lang="es-ES" dirty="0" smtClean="0">
+                <a:solidFill>
+                  <a:schemeClr val="bg2">
+                    <a:lumMod val="50000"/>
+                  </a:schemeClr>
+                </a:solidFill>
+              </a:rPr>
+              <a:t> </a:t>
+            </a:r>
+            <a:r>
+              <a:rPr lang="es-ES" dirty="0">
+                <a:solidFill>
+                  <a:schemeClr val="bg2">
+                    <a:lumMod val="50000"/>
+                  </a:schemeClr>
+                </a:solidFill>
+              </a:rPr>
+              <a:t>"</a:t>
+            </a:r>
+            <a:r>
+              <a:rPr lang="es-ES" dirty="0" err="1">
+                <a:solidFill>
+                  <a:schemeClr val="bg2">
+                    <a:lumMod val="50000"/>
+                  </a:schemeClr>
+                </a:solidFill>
+              </a:rPr>
+              <a:t>SomeAction</a:t>
+            </a:r>
+            <a:r>
+              <a:rPr lang="es-ES" dirty="0">
+                <a:solidFill>
+                  <a:schemeClr val="bg2">
+                    <a:lumMod val="50000"/>
+                  </a:schemeClr>
+                </a:solidFill>
+              </a:rPr>
+              <a:t>"</a:t>
+            </a:r>
+            <a:endParaRPr lang="es-ES" dirty="0" smtClean="0">
+              <a:solidFill>
+                <a:schemeClr val="bg2">
+                  <a:lumMod val="50000"/>
+                </a:schemeClr>
+              </a:solidFill>
+            </a:endParaRPr>
+          </a:p>
+          <a:p>
+            <a:r>
+              <a:rPr lang="es-ES" dirty="0" err="1" smtClean="0">
+                <a:solidFill>
+                  <a:schemeClr val="bg2">
+                    <a:lumMod val="50000"/>
+                  </a:schemeClr>
+                </a:solidFill>
+              </a:rPr>
+              <a:t>def</a:t>
+            </a:r>
+            <a:r>
+              <a:rPr lang="es-ES" dirty="0" smtClean="0">
+                <a:solidFill>
+                  <a:schemeClr val="bg2">
+                    <a:lumMod val="50000"/>
+                  </a:schemeClr>
+                </a:solidFill>
+              </a:rPr>
+              <a:t> </a:t>
+            </a:r>
+            <a:r>
+              <a:rPr lang="es-ES" dirty="0" err="1"/>
+              <a:t>beforeInterceptor</a:t>
+            </a:r>
+            <a:r>
+              <a:rPr lang="es-ES" dirty="0"/>
+              <a:t> = </a:t>
+            </a:r>
+            <a:endParaRPr lang="es-ES" dirty="0" smtClean="0"/>
+          </a:p>
+          <a:p>
+            <a:r>
+              <a:rPr lang="es-ES" dirty="0"/>
+              <a:t>	</a:t>
+            </a:r>
+            <a:r>
+              <a:rPr lang="es-ES" dirty="0" smtClean="0"/>
+              <a:t>[</a:t>
+            </a:r>
+            <a:r>
+              <a:rPr lang="es-ES" dirty="0" err="1" smtClean="0"/>
+              <a:t>action:this</a:t>
+            </a:r>
+            <a:r>
+              <a:rPr lang="es-ES" dirty="0" smtClean="0"/>
+              <a:t>.&amp;</a:t>
+            </a:r>
+            <a:r>
+              <a:rPr lang="es-ES" dirty="0" err="1" smtClean="0"/>
+              <a:t>something</a:t>
+            </a:r>
+            <a:r>
+              <a:rPr lang="es-ES" dirty="0" smtClean="0"/>
+              <a:t>,</a:t>
+            </a:r>
+          </a:p>
+          <a:p>
+            <a:r>
+              <a:rPr lang="es-ES" dirty="0"/>
+              <a:t>	</a:t>
+            </a:r>
+            <a:r>
+              <a:rPr lang="es-ES" dirty="0" smtClean="0"/>
+              <a:t> </a:t>
+            </a:r>
+            <a:r>
+              <a:rPr lang="es-ES" dirty="0" err="1" smtClean="0"/>
+              <a:t>except</a:t>
+            </a:r>
+            <a:r>
+              <a:rPr lang="es-ES" dirty="0" smtClean="0"/>
+              <a:t>: [</a:t>
+            </a:r>
+            <a:r>
+              <a:rPr lang="es-ES" dirty="0" smtClean="0">
+                <a:solidFill>
+                  <a:schemeClr val="bg2">
+                    <a:lumMod val="50000"/>
+                  </a:schemeClr>
+                </a:solidFill>
+              </a:rPr>
+              <a:t>"</a:t>
+            </a:r>
+            <a:r>
+              <a:rPr lang="es-ES" dirty="0" err="1" smtClean="0">
+                <a:solidFill>
+                  <a:schemeClr val="bg2">
+                    <a:lumMod val="50000"/>
+                  </a:schemeClr>
+                </a:solidFill>
+              </a:rPr>
+              <a:t>SomeAction</a:t>
+            </a:r>
+            <a:r>
+              <a:rPr lang="es-ES" dirty="0" smtClean="0">
+                <a:solidFill>
+                  <a:schemeClr val="bg2">
+                    <a:lumMod val="50000"/>
+                  </a:schemeClr>
+                </a:solidFill>
+              </a:rPr>
+              <a:t>"</a:t>
+            </a:r>
+            <a:r>
+              <a:rPr lang="es-ES" dirty="0" smtClean="0"/>
+              <a:t>] ]</a:t>
+            </a:r>
+            <a:endParaRPr lang="es-ES" dirty="0"/>
+          </a:p>
+          <a:p>
+            <a:endParaRPr lang="es-ES" dirty="0"/>
+          </a:p>
+        </p:txBody>
+      </p:sp>
+      <p:sp>
+        <p:nvSpPr>
+          <p:cNvPr id="6" name="5 Marcador de contenido"/>
+          <p:cNvSpPr>
+            <a:spLocks noGrp="1"/>
+          </p:cNvSpPr>
+          <p:nvPr>
+            <p:ph sz="quarter" idx="4"/>
+          </p:nvPr>
+        </p:nvSpPr>
+        <p:spPr/>
+        <p:txBody>
+          <a:bodyPr>
+            <a:normAutofit/>
+          </a:bodyPr>
+          <a:lstStyle/>
+          <a:p>
+            <a:r>
+              <a:rPr lang="es-ES" dirty="0" smtClean="0">
+                <a:solidFill>
+                  <a:schemeClr val="bg2">
+                    <a:lumMod val="50000"/>
+                  </a:schemeClr>
+                </a:solidFill>
+              </a:rPr>
+              <a:t>// </a:t>
+            </a:r>
+            <a:r>
+              <a:rPr lang="es-ES" dirty="0" err="1" smtClean="0">
+                <a:solidFill>
+                  <a:schemeClr val="bg2">
+                    <a:lumMod val="50000"/>
+                  </a:schemeClr>
+                </a:solidFill>
+              </a:rPr>
+              <a:t>only</a:t>
+            </a:r>
+            <a:r>
+              <a:rPr lang="es-ES" dirty="0" smtClean="0">
+                <a:solidFill>
+                  <a:schemeClr val="bg2">
+                    <a:lumMod val="50000"/>
+                  </a:schemeClr>
+                </a:solidFill>
+              </a:rPr>
+              <a:t> </a:t>
+            </a:r>
+            <a:r>
+              <a:rPr lang="es-ES" dirty="0" err="1" smtClean="0">
+                <a:solidFill>
+                  <a:schemeClr val="bg2">
+                    <a:lumMod val="50000"/>
+                  </a:schemeClr>
+                </a:solidFill>
+              </a:rPr>
+              <a:t>intercepts</a:t>
+            </a:r>
+            <a:r>
+              <a:rPr lang="es-ES" dirty="0" smtClean="0">
+                <a:solidFill>
+                  <a:schemeClr val="bg2">
+                    <a:lumMod val="50000"/>
+                  </a:schemeClr>
+                </a:solidFill>
+              </a:rPr>
+              <a:t> </a:t>
+            </a:r>
+            <a:r>
+              <a:rPr lang="es-ES" dirty="0">
+                <a:solidFill>
+                  <a:schemeClr val="bg2">
+                    <a:lumMod val="50000"/>
+                  </a:schemeClr>
+                </a:solidFill>
+              </a:rPr>
+              <a:t>"</a:t>
+            </a:r>
+            <a:r>
+              <a:rPr lang="es-ES" dirty="0" err="1">
+                <a:solidFill>
+                  <a:schemeClr val="bg2">
+                    <a:lumMod val="50000"/>
+                  </a:schemeClr>
+                </a:solidFill>
+              </a:rPr>
+              <a:t>SomeAction</a:t>
+            </a:r>
+            <a:r>
+              <a:rPr lang="es-ES" dirty="0">
+                <a:solidFill>
+                  <a:schemeClr val="bg2">
+                    <a:lumMod val="50000"/>
+                  </a:schemeClr>
+                </a:solidFill>
+              </a:rPr>
+              <a:t>"</a:t>
+            </a:r>
+            <a:endParaRPr lang="es-ES" dirty="0" smtClean="0">
+              <a:solidFill>
+                <a:schemeClr val="bg2">
+                  <a:lumMod val="50000"/>
+                </a:schemeClr>
+              </a:solidFill>
+            </a:endParaRPr>
+          </a:p>
+          <a:p>
+            <a:r>
+              <a:rPr lang="es-ES" dirty="0" err="1" smtClean="0">
+                <a:solidFill>
+                  <a:schemeClr val="bg2">
+                    <a:lumMod val="50000"/>
+                  </a:schemeClr>
+                </a:solidFill>
+              </a:rPr>
+              <a:t>def</a:t>
+            </a:r>
+            <a:r>
+              <a:rPr lang="es-ES" dirty="0" smtClean="0">
+                <a:solidFill>
+                  <a:schemeClr val="bg2">
+                    <a:lumMod val="50000"/>
+                  </a:schemeClr>
+                </a:solidFill>
+              </a:rPr>
+              <a:t> </a:t>
+            </a:r>
+            <a:r>
+              <a:rPr lang="es-ES" dirty="0" err="1"/>
+              <a:t>beforeInterceptor</a:t>
+            </a:r>
+            <a:r>
+              <a:rPr lang="es-ES" dirty="0"/>
+              <a:t> = </a:t>
+            </a:r>
+          </a:p>
+          <a:p>
+            <a:r>
+              <a:rPr lang="es-ES" dirty="0"/>
+              <a:t>	[</a:t>
+            </a:r>
+            <a:r>
+              <a:rPr lang="es-ES" dirty="0" err="1"/>
+              <a:t>action:this</a:t>
+            </a:r>
+            <a:r>
+              <a:rPr lang="es-ES" dirty="0"/>
+              <a:t>.&amp;</a:t>
+            </a:r>
+            <a:r>
+              <a:rPr lang="es-ES" dirty="0" err="1"/>
+              <a:t>something</a:t>
+            </a:r>
+            <a:r>
+              <a:rPr lang="es-ES" dirty="0"/>
+              <a:t>,</a:t>
+            </a:r>
+          </a:p>
+          <a:p>
+            <a:r>
+              <a:rPr lang="es-ES" dirty="0"/>
+              <a:t>	 </a:t>
+            </a:r>
+            <a:r>
+              <a:rPr lang="es-ES" dirty="0" err="1" smtClean="0"/>
+              <a:t>only</a:t>
+            </a:r>
+            <a:r>
+              <a:rPr lang="es-ES" dirty="0" smtClean="0"/>
+              <a:t>: [</a:t>
+            </a:r>
+            <a:r>
+              <a:rPr lang="es-ES" dirty="0" smtClean="0">
+                <a:solidFill>
+                  <a:schemeClr val="bg2">
+                    <a:lumMod val="50000"/>
+                  </a:schemeClr>
+                </a:solidFill>
+              </a:rPr>
+              <a:t>"</a:t>
+            </a:r>
+            <a:r>
+              <a:rPr lang="es-ES" dirty="0" err="1">
+                <a:solidFill>
+                  <a:schemeClr val="bg2">
+                    <a:lumMod val="50000"/>
+                  </a:schemeClr>
+                </a:solidFill>
+              </a:rPr>
+              <a:t>SomeAction</a:t>
+            </a:r>
+            <a:r>
+              <a:rPr lang="es-ES" dirty="0" smtClean="0">
+                <a:solidFill>
+                  <a:schemeClr val="bg2">
+                    <a:lumMod val="50000"/>
+                  </a:schemeClr>
+                </a:solidFill>
+              </a:rPr>
+              <a:t>"</a:t>
+            </a:r>
+            <a:r>
+              <a:rPr lang="es-ES" dirty="0" smtClean="0"/>
+              <a:t>] ]</a:t>
+            </a:r>
+            <a:endParaRPr lang="es-ES" dirty="0"/>
+          </a:p>
+          <a:p>
+            <a:endParaRPr lang="es-ES" dirty="0" smtClean="0">
+              <a:solidFill>
+                <a:schemeClr val="bg2">
+                  <a:lumMod val="50000"/>
+                </a:schemeClr>
+              </a:solidFill>
+            </a:endParaRPr>
+          </a:p>
+          <a:p>
+            <a:r>
+              <a:rPr lang="es-ES" dirty="0" smtClean="0">
+                <a:solidFill>
+                  <a:schemeClr val="bg2">
+                    <a:lumMod val="50000"/>
+                  </a:schemeClr>
+                </a:solidFill>
+              </a:rPr>
+              <a:t>// run </a:t>
+            </a:r>
+            <a:r>
+              <a:rPr lang="es-ES" dirty="0" err="1" smtClean="0">
+                <a:solidFill>
+                  <a:schemeClr val="bg2">
+                    <a:lumMod val="50000"/>
+                  </a:schemeClr>
+                </a:solidFill>
+              </a:rPr>
+              <a:t>after</a:t>
+            </a:r>
+            <a:r>
+              <a:rPr lang="es-ES" dirty="0" smtClean="0">
+                <a:solidFill>
+                  <a:schemeClr val="bg2">
+                    <a:lumMod val="50000"/>
+                  </a:schemeClr>
+                </a:solidFill>
+              </a:rPr>
+              <a:t> </a:t>
+            </a:r>
+            <a:r>
+              <a:rPr lang="es-ES" dirty="0" err="1" smtClean="0">
+                <a:solidFill>
+                  <a:schemeClr val="bg2">
+                    <a:lumMod val="50000"/>
+                  </a:schemeClr>
+                </a:solidFill>
+              </a:rPr>
+              <a:t>every</a:t>
+            </a:r>
+            <a:r>
+              <a:rPr lang="es-ES" dirty="0" smtClean="0">
+                <a:solidFill>
+                  <a:schemeClr val="bg2">
+                    <a:lumMod val="50000"/>
+                  </a:schemeClr>
+                </a:solidFill>
+              </a:rPr>
+              <a:t> </a:t>
+            </a:r>
+            <a:r>
+              <a:rPr lang="es-ES" dirty="0" err="1" smtClean="0">
+                <a:solidFill>
+                  <a:schemeClr val="bg2">
+                    <a:lumMod val="50000"/>
+                  </a:schemeClr>
+                </a:solidFill>
+              </a:rPr>
+              <a:t>action</a:t>
+            </a:r>
+            <a:endParaRPr lang="es-ES" dirty="0" smtClean="0">
+              <a:solidFill>
+                <a:schemeClr val="bg2">
+                  <a:lumMod val="50000"/>
+                </a:schemeClr>
+              </a:solidFill>
+            </a:endParaRPr>
+          </a:p>
+          <a:p>
+            <a:r>
+              <a:rPr lang="es-ES" dirty="0" err="1" smtClean="0">
+                <a:solidFill>
+                  <a:schemeClr val="bg2">
+                    <a:lumMod val="50000"/>
+                  </a:schemeClr>
+                </a:solidFill>
+              </a:rPr>
+              <a:t>def</a:t>
+            </a:r>
+            <a:r>
+              <a:rPr lang="es-ES" dirty="0" smtClean="0">
+                <a:solidFill>
+                  <a:schemeClr val="bg2">
+                    <a:lumMod val="50000"/>
+                  </a:schemeClr>
+                </a:solidFill>
+              </a:rPr>
+              <a:t> </a:t>
+            </a:r>
+            <a:r>
+              <a:rPr lang="es-ES" dirty="0" err="1"/>
+              <a:t>afterInterceptor</a:t>
+            </a:r>
+            <a:r>
+              <a:rPr lang="es-ES" dirty="0"/>
+              <a:t> = { </a:t>
+            </a:r>
+            <a:endParaRPr lang="es-ES" dirty="0" smtClean="0"/>
+          </a:p>
+          <a:p>
+            <a:pPr lvl="1"/>
+            <a:r>
+              <a:rPr lang="es-ES" dirty="0" err="1" smtClean="0"/>
+              <a:t>m,mav</a:t>
+            </a:r>
+            <a:r>
+              <a:rPr lang="es-ES" dirty="0" smtClean="0"/>
+              <a:t> -&gt; </a:t>
+            </a:r>
+          </a:p>
+          <a:p>
+            <a:pPr lvl="1"/>
+            <a:r>
+              <a:rPr lang="es-ES" dirty="0" err="1"/>
+              <a:t>println</a:t>
+            </a:r>
+            <a:r>
+              <a:rPr lang="es-ES" dirty="0"/>
+              <a:t> </a:t>
+            </a:r>
+            <a:r>
+              <a:rPr lang="es-ES" dirty="0">
+                <a:solidFill>
+                  <a:schemeClr val="bg2">
+                    <a:lumMod val="50000"/>
+                  </a:schemeClr>
+                </a:solidFill>
+              </a:rPr>
+              <a:t>"</a:t>
+            </a:r>
+            <a:r>
+              <a:rPr lang="es-ES" dirty="0" err="1">
+                <a:solidFill>
+                  <a:schemeClr val="bg2">
+                    <a:lumMod val="50000"/>
+                  </a:schemeClr>
+                </a:solidFill>
+              </a:rPr>
+              <a:t>Captured</a:t>
+            </a:r>
+            <a:r>
+              <a:rPr lang="es-ES" dirty="0">
+                <a:solidFill>
+                  <a:schemeClr val="bg2">
+                    <a:lumMod val="50000"/>
+                  </a:schemeClr>
+                </a:solidFill>
+              </a:rPr>
+              <a:t> ${</a:t>
+            </a:r>
+            <a:r>
+              <a:rPr lang="es-ES" dirty="0" err="1">
+                <a:solidFill>
+                  <a:schemeClr val="bg2">
+                    <a:lumMod val="50000"/>
+                  </a:schemeClr>
+                </a:solidFill>
+              </a:rPr>
+              <a:t>actionUri</a:t>
+            </a:r>
+            <a:r>
+              <a:rPr lang="es-ES" dirty="0">
+                <a:solidFill>
+                  <a:schemeClr val="bg2">
+                    <a:lumMod val="50000"/>
+                  </a:schemeClr>
+                </a:solidFill>
+              </a:rPr>
+              <a:t>}"</a:t>
+            </a:r>
+          </a:p>
+          <a:p>
+            <a:pPr lvl="1"/>
+            <a:r>
+              <a:rPr lang="es-ES" dirty="0" err="1" smtClean="0"/>
+              <a:t>println</a:t>
+            </a:r>
+            <a:r>
+              <a:rPr lang="es-ES" dirty="0" smtClean="0"/>
+              <a:t> </a:t>
+            </a:r>
+            <a:r>
+              <a:rPr lang="es-ES" dirty="0" smtClean="0">
+                <a:solidFill>
+                  <a:schemeClr val="bg2">
+                    <a:lumMod val="50000"/>
+                  </a:schemeClr>
+                </a:solidFill>
+              </a:rPr>
+              <a:t>"View ${</a:t>
+            </a:r>
+            <a:r>
+              <a:rPr lang="es-ES" dirty="0" err="1" smtClean="0">
+                <a:solidFill>
+                  <a:schemeClr val="bg2">
+                    <a:lumMod val="50000"/>
+                  </a:schemeClr>
+                </a:solidFill>
+              </a:rPr>
+              <a:t>mav.viewName</a:t>
+            </a:r>
+            <a:r>
+              <a:rPr lang="es-ES" dirty="0" smtClean="0">
+                <a:solidFill>
+                  <a:schemeClr val="bg2">
+                    <a:lumMod val="50000"/>
+                  </a:schemeClr>
+                </a:solidFill>
+              </a:rPr>
+              <a:t>}"</a:t>
+            </a:r>
+          </a:p>
+          <a:p>
+            <a:pPr marL="185737" lvl="3">
+              <a:buClr>
+                <a:schemeClr val="accent1"/>
+              </a:buClr>
+              <a:buSzPct val="85000"/>
+            </a:pPr>
+            <a:r>
+              <a:rPr lang="es-ES" dirty="0" err="1"/>
+              <a:t>println</a:t>
+            </a:r>
+            <a:r>
+              <a:rPr lang="es-ES" dirty="0"/>
+              <a:t> </a:t>
+            </a:r>
+            <a:r>
+              <a:rPr lang="es-ES" dirty="0" smtClean="0">
+                <a:solidFill>
+                  <a:schemeClr val="bg2">
+                    <a:lumMod val="50000"/>
+                  </a:schemeClr>
+                </a:solidFill>
+              </a:rPr>
+              <a:t>"</a:t>
+            </a:r>
+            <a:r>
+              <a:rPr lang="es-ES" dirty="0" err="1" smtClean="0">
+                <a:solidFill>
+                  <a:schemeClr val="bg2">
+                    <a:lumMod val="50000"/>
+                  </a:schemeClr>
+                </a:solidFill>
+              </a:rPr>
+              <a:t>Model</a:t>
+            </a:r>
+            <a:r>
+              <a:rPr lang="es-ES" dirty="0" smtClean="0">
+                <a:solidFill>
+                  <a:schemeClr val="bg2">
+                    <a:lumMod val="50000"/>
+                  </a:schemeClr>
+                </a:solidFill>
+              </a:rPr>
+              <a:t> data ${m}"</a:t>
+            </a:r>
+            <a:endParaRPr lang="es-ES" dirty="0">
+              <a:solidFill>
+                <a:schemeClr val="bg2">
+                  <a:lumMod val="50000"/>
+                </a:schemeClr>
+              </a:solidFill>
+            </a:endParaRPr>
+          </a:p>
+          <a:p>
+            <a:pPr lvl="1"/>
+            <a:r>
+              <a:rPr lang="es-ES" dirty="0" err="1" smtClean="0"/>
+              <a:t>mav.viewName</a:t>
+            </a:r>
+            <a:r>
+              <a:rPr lang="es-ES" dirty="0" smtClean="0"/>
+              <a:t> = </a:t>
+            </a:r>
+            <a:r>
+              <a:rPr lang="es-ES" dirty="0" smtClean="0">
+                <a:solidFill>
+                  <a:schemeClr val="bg2">
+                    <a:lumMod val="50000"/>
+                  </a:schemeClr>
+                </a:solidFill>
+              </a:rPr>
+              <a:t>"</a:t>
+            </a:r>
+            <a:r>
+              <a:rPr lang="es-ES" dirty="0" err="1" smtClean="0">
+                <a:solidFill>
+                  <a:schemeClr val="bg2">
+                    <a:lumMod val="50000"/>
+                  </a:schemeClr>
+                </a:solidFill>
+              </a:rPr>
+              <a:t>other</a:t>
+            </a:r>
+            <a:r>
+              <a:rPr lang="es-ES" dirty="0" smtClean="0">
+                <a:solidFill>
+                  <a:schemeClr val="bg2">
+                    <a:lumMod val="50000"/>
+                  </a:schemeClr>
+                </a:solidFill>
+              </a:rPr>
+              <a:t>/</a:t>
+            </a:r>
+            <a:r>
+              <a:rPr lang="es-ES" dirty="0" err="1" smtClean="0">
+                <a:solidFill>
+                  <a:schemeClr val="bg2">
+                    <a:lumMod val="50000"/>
+                  </a:schemeClr>
+                </a:solidFill>
+              </a:rPr>
+              <a:t>view</a:t>
+            </a:r>
+            <a:r>
+              <a:rPr lang="es-ES" dirty="0" smtClean="0">
+                <a:solidFill>
+                  <a:schemeClr val="bg2">
+                    <a:lumMod val="50000"/>
+                  </a:schemeClr>
+                </a:solidFill>
+              </a:rPr>
+              <a:t>"</a:t>
+            </a:r>
+            <a:endParaRPr lang="es-ES" dirty="0" smtClean="0"/>
+          </a:p>
+          <a:p>
+            <a:r>
+              <a:rPr lang="es-ES" dirty="0" smtClean="0"/>
+              <a:t>}</a:t>
+            </a:r>
+          </a:p>
+          <a:p>
+            <a:endParaRPr lang="es-ES" dirty="0"/>
+          </a:p>
+        </p:txBody>
+      </p:sp>
+      <p:sp>
+        <p:nvSpPr>
           <p:cNvPr id="2" name="1 Título"/>
           <p:cNvSpPr>
             <a:spLocks noGrp="1"/>
@@ -42235,31 +44381,20 @@
           <a:lstStyle/>
           <a:p>
             <a:r>
-              <a:rPr lang="en-US" sz="3600" dirty="0"/>
-              <a:t>2.7. Unit and Integration Testing</a:t>
-            </a:r>
-            <a:endParaRPr lang="es-ES" dirty="0"/>
-          </a:p>
-        </p:txBody>
-      </p:sp>
-      <p:sp>
-        <p:nvSpPr>
-          <p:cNvPr id="4" name="3 Marcador de contenido"/>
-          <p:cNvSpPr>
-            <a:spLocks noGrp="1"/>
-          </p:cNvSpPr>
-          <p:nvPr>
-            <p:ph sz="quarter" idx="1"/>
-          </p:nvPr>
-        </p:nvSpPr>
-        <p:spPr/>
-        <p:txBody>
-          <a:bodyPr/>
-          <a:lstStyle/>
-          <a:p>
-            <a:r>
-              <a:rPr lang="es-ES" dirty="0" err="1" smtClean="0"/>
-              <a:t>JUnit</a:t>
+              <a:rPr lang="es-ES" sz="3600" dirty="0"/>
+              <a:t>2.6. </a:t>
+            </a:r>
+            <a:r>
+              <a:rPr lang="es-ES" sz="3600" dirty="0" err="1"/>
+              <a:t>The</a:t>
+            </a:r>
+            <a:r>
+              <a:rPr lang="es-ES" sz="3600" dirty="0"/>
+              <a:t> Web </a:t>
+            </a:r>
+            <a:r>
+              <a:rPr lang="es-ES" sz="3600" dirty="0" err="1" smtClean="0"/>
+              <a:t>Layer</a:t>
             </a:r>
             <a:endParaRPr lang="es-ES" dirty="0"/>
           </a:p>
@@ -42268,7 +44403,7 @@
     </p:spTree>
     <p:extLst>
       <p:ext uri="{BB962C8B-B14F-4D97-AF65-F5344CB8AC3E}">
-        <p14:creationId xmlns:p14="http://schemas.microsoft.com/office/powerpoint/2010/main" val="1608725348"/>
+        <p14:creationId xmlns:p14="http://schemas.microsoft.com/office/powerpoint/2010/main" val="2249977152"/>
       </p:ext>
     </p:extLst>
   </p:cSld>
@@ -42320,8 +44455,20 @@
           <a:lstStyle/>
           <a:p>
             <a:r>
-              <a:rPr lang="en-US" sz="3600" dirty="0"/>
-              <a:t>2.7. Unit and Integration Testing</a:t>
+              <a:rPr lang="es-ES" sz="3600" dirty="0"/>
+              <a:t>2.6. </a:t>
+            </a:r>
+            <a:r>
+              <a:rPr lang="es-ES" sz="3600" dirty="0" err="1"/>
+              <a:t>The</a:t>
+            </a:r>
+            <a:r>
+              <a:rPr lang="es-ES" sz="3600" dirty="0"/>
+              <a:t> Web </a:t>
+            </a:r>
+            <a:r>
+              <a:rPr lang="es-ES" sz="3600" dirty="0" err="1" smtClean="0"/>
+              <a:t>Layer</a:t>
             </a:r>
             <a:endParaRPr lang="es-ES" dirty="0"/>
           </a:p>
@@ -42343,17 +44490,93 @@
           <a:lstStyle/>
           <a:p>
             <a:r>
-              <a:rPr lang="es-ES" dirty="0" err="1" smtClean="0"/>
-              <a:t>Spock</a:t>
-            </a:r>
-            <a:endParaRPr lang="es-ES" dirty="0"/>
+              <a:rPr lang="en-US" dirty="0" smtClean="0"/>
+              <a:t>Filters</a:t>
+            </a:r>
+          </a:p>
+          <a:p>
+            <a:pPr lvl="1"/>
+            <a:r>
+              <a:rPr lang="en-US" dirty="0" smtClean="0"/>
+              <a:t>Specific class (*Filters)</a:t>
+            </a:r>
+          </a:p>
+          <a:p>
+            <a:pPr lvl="1"/>
+            <a:r>
+              <a:rPr lang="en-US" dirty="0" smtClean="0"/>
+              <a:t>/grails-app/</a:t>
+            </a:r>
+            <a:r>
+              <a:rPr lang="en-US" dirty="0" err="1" smtClean="0"/>
+              <a:t>conf</a:t>
+            </a:r>
+            <a:r>
+              <a:rPr lang="en-US" dirty="0" smtClean="0"/>
+              <a:t>/</a:t>
+            </a:r>
+          </a:p>
+          <a:p>
+            <a:pPr lvl="1"/>
+            <a:r>
+              <a:rPr lang="en-US" dirty="0"/>
+              <a:t>Similar features as Interceptors but more generic</a:t>
+            </a:r>
+          </a:p>
+          <a:p>
+            <a:pPr lvl="1"/>
+            <a:endParaRPr lang="en-US" dirty="0" smtClean="0"/>
+          </a:p>
+          <a:p>
+            <a:pPr lvl="1"/>
+            <a:r>
+              <a:rPr lang="en-US" dirty="0" smtClean="0"/>
+              <a:t>Contains filter definitions for controllers and actions</a:t>
+            </a:r>
+          </a:p>
+          <a:p>
+            <a:pPr lvl="2"/>
+            <a:r>
+              <a:rPr lang="en-US" dirty="0" smtClean="0"/>
+              <a:t>Allows to capture before or after the action</a:t>
+            </a:r>
+          </a:p>
+          <a:p>
+            <a:pPr lvl="2"/>
+            <a:r>
+              <a:rPr lang="en-US" dirty="0" smtClean="0"/>
+              <a:t>Allows to capture </a:t>
+            </a:r>
+            <a:r>
+              <a:rPr lang="en-US" dirty="0" err="1" smtClean="0"/>
+              <a:t>afterView</a:t>
+            </a:r>
+            <a:r>
+              <a:rPr lang="en-US" dirty="0" smtClean="0"/>
+              <a:t> rendering</a:t>
+            </a:r>
+          </a:p>
+          <a:p>
+            <a:pPr lvl="2"/>
+            <a:r>
+              <a:rPr lang="en-US" dirty="0" smtClean="0"/>
+              <a:t>Allows to exclude controllers and actions</a:t>
+            </a:r>
+          </a:p>
+          <a:p>
+            <a:pPr lvl="2"/>
+            <a:r>
+              <a:rPr lang="en-US" dirty="0" smtClean="0"/>
+              <a:t>Allows to invert the rule</a:t>
+            </a:r>
+            <a:endParaRPr lang="en-US" dirty="0" smtClean="0"/>
           </a:p>
         </p:txBody>
       </p:sp>
     </p:spTree>
     <p:extLst>
       <p:ext uri="{BB962C8B-B14F-4D97-AF65-F5344CB8AC3E}">
-        <p14:creationId xmlns:p14="http://schemas.microsoft.com/office/powerpoint/2010/main" val="4198659157"/>
+        <p14:creationId xmlns:p14="http://schemas.microsoft.com/office/powerpoint/2010/main" val="2835527362"/>
       </p:ext>
     </p:extLst>
   </p:cSld>
@@ -42389,6 +44612,2101 @@
       </p:grpSpPr>
       <p:sp>
         <p:nvSpPr>
+          <p:cNvPr id="3" name="2 Marcador de texto"/>
+          <p:cNvSpPr>
+            <a:spLocks noGrp="1"/>
+          </p:cNvSpPr>
+          <p:nvPr>
+            <p:ph type="body" idx="1"/>
+          </p:nvPr>
+        </p:nvSpPr>
+        <p:spPr/>
+        <p:txBody>
+          <a:bodyPr/>
+          <a:lstStyle/>
+          <a:p>
+            <a:r>
+              <a:rPr lang="es-ES" dirty="0" err="1" smtClean="0"/>
+              <a:t>Filters</a:t>
+            </a:r>
+            <a:endParaRPr lang="es-ES" dirty="0"/>
+          </a:p>
+        </p:txBody>
+      </p:sp>
+      <p:sp>
+        <p:nvSpPr>
+          <p:cNvPr id="5" name="4 Marcador de texto"/>
+          <p:cNvSpPr>
+            <a:spLocks noGrp="1"/>
+          </p:cNvSpPr>
+          <p:nvPr>
+            <p:ph type="body" sz="half" idx="3"/>
+          </p:nvPr>
+        </p:nvSpPr>
+        <p:spPr/>
+        <p:txBody>
+          <a:bodyPr/>
+          <a:lstStyle/>
+          <a:p>
+            <a:endParaRPr lang="es-ES" dirty="0"/>
+          </a:p>
+        </p:txBody>
+      </p:sp>
+      <p:sp>
+        <p:nvSpPr>
+          <p:cNvPr id="4" name="3 Marcador de contenido"/>
+          <p:cNvSpPr>
+            <a:spLocks noGrp="1"/>
+          </p:cNvSpPr>
+          <p:nvPr>
+            <p:ph sz="quarter" idx="2"/>
+          </p:nvPr>
+        </p:nvSpPr>
+        <p:spPr/>
+        <p:txBody>
+          <a:bodyPr>
+            <a:normAutofit/>
+          </a:bodyPr>
+          <a:lstStyle/>
+          <a:p>
+            <a:r>
+              <a:rPr lang="es-ES" dirty="0" err="1"/>
+              <a:t>class</a:t>
+            </a:r>
+            <a:r>
+              <a:rPr lang="es-ES" dirty="0"/>
+              <a:t> </a:t>
+            </a:r>
+            <a:r>
+              <a:rPr lang="es-ES" dirty="0" err="1" smtClean="0"/>
+              <a:t>MyFilters</a:t>
+            </a:r>
+            <a:r>
+              <a:rPr lang="es-ES" dirty="0" smtClean="0"/>
+              <a:t> </a:t>
+            </a:r>
+            <a:r>
+              <a:rPr lang="es-ES" dirty="0"/>
+              <a:t>{</a:t>
+            </a:r>
+          </a:p>
+          <a:p>
+            <a:pPr lvl="1"/>
+            <a:r>
+              <a:rPr lang="es-ES" dirty="0" err="1" smtClean="0">
+                <a:solidFill>
+                  <a:schemeClr val="bg2">
+                    <a:lumMod val="50000"/>
+                  </a:schemeClr>
+                </a:solidFill>
+              </a:rPr>
+              <a:t>def</a:t>
+            </a:r>
+            <a:r>
+              <a:rPr lang="es-ES" dirty="0" smtClean="0">
+                <a:solidFill>
+                  <a:schemeClr val="bg2">
+                    <a:lumMod val="50000"/>
+                  </a:schemeClr>
+                </a:solidFill>
+              </a:rPr>
+              <a:t> </a:t>
+            </a:r>
+            <a:r>
+              <a:rPr lang="es-ES" dirty="0" err="1"/>
+              <a:t>filters</a:t>
+            </a:r>
+            <a:r>
+              <a:rPr lang="es-ES" dirty="0"/>
+              <a:t> = {</a:t>
+            </a:r>
+          </a:p>
+          <a:p>
+            <a:pPr lvl="2"/>
+            <a:r>
+              <a:rPr lang="es-ES" dirty="0" err="1" smtClean="0"/>
+              <a:t>all</a:t>
+            </a:r>
+            <a:r>
+              <a:rPr lang="es-ES" dirty="0" smtClean="0"/>
+              <a:t>(</a:t>
+            </a:r>
+            <a:r>
+              <a:rPr lang="es-ES" dirty="0" err="1" smtClean="0"/>
+              <a:t>controller</a:t>
+            </a:r>
+            <a:r>
+              <a:rPr lang="es-ES" dirty="0"/>
+              <a:t>:</a:t>
+            </a:r>
+            <a:r>
+              <a:rPr lang="es-ES" dirty="0">
+                <a:solidFill>
+                  <a:schemeClr val="bg2">
+                    <a:lumMod val="50000"/>
+                  </a:schemeClr>
+                </a:solidFill>
+              </a:rPr>
+              <a:t>'*'</a:t>
+            </a:r>
+            <a:r>
+              <a:rPr lang="es-ES" dirty="0"/>
+              <a:t>, </a:t>
+            </a:r>
+            <a:r>
+              <a:rPr lang="es-ES" dirty="0" err="1"/>
+              <a:t>action</a:t>
+            </a:r>
+            <a:r>
+              <a:rPr lang="es-ES" dirty="0" smtClean="0"/>
+              <a:t>:</a:t>
+            </a:r>
+            <a:r>
+              <a:rPr lang="es-ES" dirty="0" smtClean="0">
+                <a:solidFill>
+                  <a:schemeClr val="bg2">
+                    <a:lumMod val="50000"/>
+                  </a:schemeClr>
+                </a:solidFill>
+              </a:rPr>
+              <a:t>'*'</a:t>
+            </a:r>
+            <a:r>
+              <a:rPr lang="es-ES" dirty="0" smtClean="0"/>
+              <a:t>){</a:t>
+            </a:r>
+            <a:endParaRPr lang="es-ES" dirty="0"/>
+          </a:p>
+          <a:p>
+            <a:pPr lvl="3"/>
+            <a:r>
+              <a:rPr lang="es-ES" dirty="0" err="1" smtClean="0"/>
+              <a:t>before</a:t>
+            </a:r>
+            <a:r>
+              <a:rPr lang="es-ES" dirty="0" smtClean="0"/>
+              <a:t> </a:t>
+            </a:r>
+            <a:r>
+              <a:rPr lang="es-ES" dirty="0"/>
+              <a:t>= {</a:t>
+            </a:r>
+          </a:p>
+          <a:p>
+            <a:pPr lvl="3"/>
+            <a:r>
+              <a:rPr lang="es-ES" dirty="0" smtClean="0"/>
+              <a:t>}</a:t>
+            </a:r>
+            <a:endParaRPr lang="es-ES" dirty="0"/>
+          </a:p>
+          <a:p>
+            <a:pPr lvl="3"/>
+            <a:r>
+              <a:rPr lang="es-ES" dirty="0" err="1" smtClean="0"/>
+              <a:t>after</a:t>
+            </a:r>
+            <a:r>
+              <a:rPr lang="es-ES" dirty="0" smtClean="0"/>
+              <a:t> </a:t>
+            </a:r>
+            <a:r>
+              <a:rPr lang="es-ES" dirty="0"/>
+              <a:t>= { </a:t>
+            </a:r>
+            <a:r>
+              <a:rPr lang="es-ES" dirty="0" err="1"/>
+              <a:t>Map</a:t>
+            </a:r>
+            <a:r>
+              <a:rPr lang="es-ES" dirty="0"/>
+              <a:t> </a:t>
+            </a:r>
+            <a:r>
+              <a:rPr lang="es-ES" dirty="0" err="1"/>
+              <a:t>model</a:t>
+            </a:r>
+            <a:r>
+              <a:rPr lang="es-ES" dirty="0"/>
+              <a:t> -&gt;</a:t>
+            </a:r>
+          </a:p>
+          <a:p>
+            <a:pPr lvl="3"/>
+            <a:r>
+              <a:rPr lang="es-ES" dirty="0" smtClean="0"/>
+              <a:t>}</a:t>
+            </a:r>
+            <a:endParaRPr lang="es-ES" dirty="0"/>
+          </a:p>
+          <a:p>
+            <a:pPr lvl="3"/>
+            <a:r>
+              <a:rPr lang="es-ES" dirty="0" err="1" smtClean="0"/>
+              <a:t>afterView</a:t>
+            </a:r>
+            <a:r>
+              <a:rPr lang="es-ES" dirty="0" smtClean="0"/>
+              <a:t> </a:t>
+            </a:r>
+            <a:r>
+              <a:rPr lang="es-ES" dirty="0"/>
+              <a:t>= { </a:t>
+            </a:r>
+            <a:r>
+              <a:rPr lang="es-ES" dirty="0" err="1"/>
+              <a:t>Exception</a:t>
+            </a:r>
+            <a:r>
+              <a:rPr lang="es-ES" dirty="0"/>
+              <a:t> e -&gt;</a:t>
+            </a:r>
+          </a:p>
+          <a:p>
+            <a:pPr lvl="3"/>
+            <a:r>
+              <a:rPr lang="es-ES" dirty="0" smtClean="0"/>
+              <a:t>}</a:t>
+            </a:r>
+            <a:endParaRPr lang="es-ES" dirty="0"/>
+          </a:p>
+          <a:p>
+            <a:pPr lvl="2"/>
+            <a:r>
+              <a:rPr lang="es-ES" dirty="0" smtClean="0"/>
+              <a:t>}</a:t>
+            </a:r>
+            <a:endParaRPr lang="es-ES" dirty="0"/>
+          </a:p>
+          <a:p>
+            <a:pPr lvl="1"/>
+            <a:r>
+              <a:rPr lang="es-ES" dirty="0" smtClean="0"/>
+              <a:t>}</a:t>
+            </a:r>
+            <a:endParaRPr lang="es-ES" dirty="0"/>
+          </a:p>
+          <a:p>
+            <a:r>
+              <a:rPr lang="es-ES" dirty="0"/>
+              <a:t>}</a:t>
+            </a:r>
+            <a:endParaRPr lang="es-ES" dirty="0"/>
+          </a:p>
+        </p:txBody>
+      </p:sp>
+      <p:sp>
+        <p:nvSpPr>
+          <p:cNvPr id="6" name="5 Marcador de contenido"/>
+          <p:cNvSpPr>
+            <a:spLocks noGrp="1"/>
+          </p:cNvSpPr>
+          <p:nvPr>
+            <p:ph sz="quarter" idx="4"/>
+          </p:nvPr>
+        </p:nvSpPr>
+        <p:spPr/>
+        <p:txBody>
+          <a:bodyPr>
+            <a:normAutofit/>
+          </a:bodyPr>
+          <a:lstStyle/>
+          <a:p>
+            <a:r>
+              <a:rPr lang="es-ES" dirty="0" err="1" smtClean="0"/>
+              <a:t>controllerA</a:t>
+            </a:r>
+            <a:r>
+              <a:rPr lang="es-ES" dirty="0" smtClean="0"/>
+              <a:t>(</a:t>
+            </a:r>
+            <a:r>
+              <a:rPr lang="es-ES" dirty="0" err="1" smtClean="0"/>
+              <a:t>controller</a:t>
+            </a:r>
+            <a:r>
+              <a:rPr lang="es-ES" dirty="0" smtClean="0"/>
+              <a:t>:</a:t>
+            </a:r>
+            <a:r>
+              <a:rPr lang="es-ES" dirty="0" smtClean="0">
+                <a:solidFill>
+                  <a:schemeClr val="bg2">
+                    <a:lumMod val="50000"/>
+                  </a:schemeClr>
+                </a:solidFill>
+              </a:rPr>
+              <a:t>'</a:t>
+            </a:r>
+            <a:r>
+              <a:rPr lang="es-ES" dirty="0" err="1" smtClean="0">
+                <a:solidFill>
+                  <a:schemeClr val="bg2">
+                    <a:lumMod val="50000"/>
+                  </a:schemeClr>
+                </a:solidFill>
+              </a:rPr>
+              <a:t>ctrlA</a:t>
+            </a:r>
+            <a:r>
+              <a:rPr lang="es-ES" dirty="0" smtClean="0">
+                <a:solidFill>
+                  <a:schemeClr val="bg2">
+                    <a:lumMod val="50000"/>
+                  </a:schemeClr>
+                </a:solidFill>
+              </a:rPr>
+              <a:t>'</a:t>
+            </a:r>
+            <a:r>
+              <a:rPr lang="es-ES" dirty="0" smtClean="0"/>
+              <a:t>) </a:t>
+            </a:r>
+            <a:r>
+              <a:rPr lang="es-ES" dirty="0"/>
+              <a:t>{</a:t>
+            </a:r>
+          </a:p>
+          <a:p>
+            <a:r>
+              <a:rPr lang="es-ES" dirty="0" smtClean="0"/>
+              <a:t>}</a:t>
+            </a:r>
+          </a:p>
+          <a:p>
+            <a:endParaRPr lang="es-ES" dirty="0"/>
+          </a:p>
+          <a:p>
+            <a:r>
+              <a:rPr lang="es-ES" dirty="0" err="1" smtClean="0"/>
+              <a:t>notControllerA</a:t>
+            </a:r>
+            <a:r>
+              <a:rPr lang="es-ES" dirty="0" smtClean="0"/>
+              <a:t>(</a:t>
+            </a:r>
+            <a:r>
+              <a:rPr lang="es-ES" dirty="0" err="1" smtClean="0"/>
+              <a:t>controller</a:t>
+            </a:r>
+            <a:r>
+              <a:rPr lang="es-ES" dirty="0"/>
+              <a:t>:</a:t>
+            </a:r>
+            <a:r>
+              <a:rPr lang="es-ES" dirty="0">
+                <a:solidFill>
+                  <a:schemeClr val="bg2">
+                    <a:lumMod val="50000"/>
+                  </a:schemeClr>
+                </a:solidFill>
+              </a:rPr>
+              <a:t>'</a:t>
+            </a:r>
+            <a:r>
+              <a:rPr lang="es-ES" dirty="0" err="1">
+                <a:solidFill>
+                  <a:schemeClr val="bg2">
+                    <a:lumMod val="50000"/>
+                  </a:schemeClr>
+                </a:solidFill>
+              </a:rPr>
+              <a:t>ctrlA</a:t>
+            </a:r>
+            <a:r>
+              <a:rPr lang="es-ES" dirty="0" smtClean="0">
+                <a:solidFill>
+                  <a:schemeClr val="bg2">
+                    <a:lumMod val="50000"/>
+                  </a:schemeClr>
+                </a:solidFill>
+              </a:rPr>
+              <a:t>'</a:t>
+            </a:r>
+            <a:r>
+              <a:rPr lang="es-ES" dirty="0"/>
+              <a:t>, </a:t>
+            </a:r>
+            <a:endParaRPr lang="es-ES" dirty="0" smtClean="0"/>
+          </a:p>
+          <a:p>
+            <a:r>
+              <a:rPr lang="es-ES" dirty="0"/>
+              <a:t>	</a:t>
+            </a:r>
+            <a:r>
+              <a:rPr lang="es-ES" dirty="0" smtClean="0"/>
+              <a:t>	</a:t>
+            </a:r>
+            <a:r>
+              <a:rPr lang="es-ES" dirty="0" err="1" smtClean="0"/>
+              <a:t>invert:true</a:t>
+            </a:r>
+            <a:r>
+              <a:rPr lang="es-ES" dirty="0" smtClean="0"/>
+              <a:t>) </a:t>
+            </a:r>
+            <a:r>
+              <a:rPr lang="es-ES" dirty="0"/>
+              <a:t>{</a:t>
+            </a:r>
+          </a:p>
+          <a:p>
+            <a:r>
+              <a:rPr lang="es-ES" dirty="0"/>
+              <a:t>}</a:t>
+            </a:r>
+          </a:p>
+          <a:p>
+            <a:endParaRPr lang="es-ES" dirty="0" smtClean="0"/>
+          </a:p>
+          <a:p>
+            <a:r>
+              <a:rPr lang="es-ES" dirty="0" err="1" smtClean="0"/>
+              <a:t>notActionX</a:t>
+            </a:r>
+            <a:r>
+              <a:rPr lang="es-ES" dirty="0" smtClean="0"/>
+              <a:t>(</a:t>
+            </a:r>
+            <a:r>
+              <a:rPr lang="es-ES" dirty="0" err="1" smtClean="0"/>
+              <a:t>actionExcluded</a:t>
+            </a:r>
+            <a:r>
+              <a:rPr lang="es-ES" dirty="0" smtClean="0"/>
+              <a:t>:</a:t>
+            </a:r>
+            <a:r>
+              <a:rPr lang="es-ES" dirty="0" smtClean="0">
+                <a:solidFill>
+                  <a:schemeClr val="bg2">
+                    <a:lumMod val="50000"/>
+                  </a:schemeClr>
+                </a:solidFill>
+              </a:rPr>
+              <a:t>'X'</a:t>
+            </a:r>
+            <a:r>
+              <a:rPr lang="es-ES" dirty="0" smtClean="0"/>
+              <a:t>){</a:t>
+            </a:r>
+          </a:p>
+          <a:p>
+            <a:r>
+              <a:rPr lang="es-ES" dirty="0" smtClean="0"/>
+              <a:t>}</a:t>
+            </a:r>
+          </a:p>
+          <a:p>
+            <a:endParaRPr lang="es-ES" dirty="0"/>
+          </a:p>
+          <a:p>
+            <a:r>
+              <a:rPr lang="es-ES" dirty="0" err="1" smtClean="0"/>
+              <a:t>concreteURL</a:t>
+            </a:r>
+            <a:r>
+              <a:rPr lang="es-ES" dirty="0" smtClean="0"/>
+              <a:t>(</a:t>
+            </a:r>
+            <a:r>
+              <a:rPr lang="es-ES" dirty="0" err="1" smtClean="0"/>
+              <a:t>uri</a:t>
+            </a:r>
+            <a:r>
+              <a:rPr lang="es-ES" dirty="0" smtClean="0"/>
+              <a:t>:</a:t>
+            </a:r>
+            <a:r>
+              <a:rPr lang="es-ES" dirty="0" smtClean="0">
+                <a:solidFill>
+                  <a:schemeClr val="bg2">
+                    <a:lumMod val="50000"/>
+                  </a:schemeClr>
+                </a:solidFill>
+              </a:rPr>
+              <a:t>'/</a:t>
+            </a:r>
+            <a:r>
+              <a:rPr lang="es-ES" dirty="0" err="1" smtClean="0">
+                <a:solidFill>
+                  <a:schemeClr val="bg2">
+                    <a:lumMod val="50000"/>
+                  </a:schemeClr>
+                </a:solidFill>
+              </a:rPr>
+              <a:t>something</a:t>
+            </a:r>
+            <a:r>
+              <a:rPr lang="es-ES" dirty="0" smtClean="0">
+                <a:solidFill>
+                  <a:schemeClr val="bg2">
+                    <a:lumMod val="50000"/>
+                  </a:schemeClr>
+                </a:solidFill>
+              </a:rPr>
+              <a:t>/**'</a:t>
+            </a:r>
+            <a:r>
+              <a:rPr lang="es-ES" dirty="0" smtClean="0"/>
+              <a:t>){</a:t>
+            </a:r>
+          </a:p>
+          <a:p>
+            <a:r>
+              <a:rPr lang="es-ES" dirty="0" smtClean="0"/>
+              <a:t>}</a:t>
+            </a:r>
+          </a:p>
+        </p:txBody>
+      </p:sp>
+      <p:sp>
+        <p:nvSpPr>
+          <p:cNvPr id="2" name="1 Título"/>
+          <p:cNvSpPr>
+            <a:spLocks noGrp="1"/>
+          </p:cNvSpPr>
+          <p:nvPr>
+            <p:ph type="title"/>
+          </p:nvPr>
+        </p:nvSpPr>
+        <p:spPr/>
+        <p:txBody>
+          <a:bodyPr>
+            <a:normAutofit/>
+          </a:bodyPr>
+          <a:lstStyle/>
+          <a:p>
+            <a:r>
+              <a:rPr lang="es-ES" sz="3600" dirty="0"/>
+              <a:t>2.6. </a:t>
+            </a:r>
+            <a:r>
+              <a:rPr lang="es-ES" sz="3600" dirty="0" err="1"/>
+              <a:t>The</a:t>
+            </a:r>
+            <a:r>
+              <a:rPr lang="es-ES" sz="3600" dirty="0"/>
+              <a:t> Web </a:t>
+            </a:r>
+            <a:r>
+              <a:rPr lang="es-ES" sz="3600" dirty="0" err="1" smtClean="0"/>
+              <a:t>Layer</a:t>
+            </a:r>
+            <a:endParaRPr lang="es-ES" dirty="0"/>
+          </a:p>
+        </p:txBody>
+      </p:sp>
+    </p:spTree>
+    <p:extLst>
+      <p:ext uri="{BB962C8B-B14F-4D97-AF65-F5344CB8AC3E}">
+        <p14:creationId xmlns:p14="http://schemas.microsoft.com/office/powerpoint/2010/main" val="2205907009"/>
+      </p:ext>
+    </p:extLst>
+  </p:cSld>
+  <p:clrMapOvr>
+    <a:masterClrMapping/>
+  </p:clrMapOvr>
+  <p:timing>
+    <p:tnLst>
+      <p:par>
+        <p:cTn id="1" dur="indefinite" restart="never" nodeType="tmRoot"/>
+      </p:par>
+    </p:tnLst>
+  </p:timing>
+</p:sld>
+</file>
+
+<file path=ppt/slides/slide85.xml><?xml version="1.0" encoding="utf-8"?>
+<p:sld xmlns:a="http://schemas.openxmlformats.org/drawingml/2006/main" xmlns:r="http://schemas.openxmlformats.org/officeDocument/2006/relationships" xmlns:p="http://schemas.openxmlformats.org/presentationml/2006/main">
+  <p:cSld>
+    <p:spTree>
+      <p:nvGrpSpPr>
+        <p:cNvPr id="1" name=""/>
+        <p:cNvGrpSpPr/>
+        <p:nvPr/>
+      </p:nvGrpSpPr>
+      <p:grpSpPr>
+        <a:xfrm>
+          <a:off x="0" y="0"/>
+          <a:ext cx="0" cy="0"/>
+          <a:chOff x="0" y="0"/>
+          <a:chExt cx="0" cy="0"/>
+        </a:xfrm>
+      </p:grpSpPr>
+      <p:sp>
+        <p:nvSpPr>
+          <p:cNvPr id="2" name="1 Título"/>
+          <p:cNvSpPr>
+            <a:spLocks noGrp="1"/>
+          </p:cNvSpPr>
+          <p:nvPr>
+            <p:ph type="title"/>
+          </p:nvPr>
+        </p:nvSpPr>
+        <p:spPr/>
+        <p:txBody>
+          <a:bodyPr>
+            <a:normAutofit/>
+          </a:bodyPr>
+          <a:lstStyle/>
+          <a:p>
+            <a:r>
+              <a:rPr lang="en-US" sz="3600" dirty="0"/>
+              <a:t>2.7. Unit and Integration Testing</a:t>
+            </a:r>
+            <a:endParaRPr lang="es-ES" dirty="0"/>
+          </a:p>
+        </p:txBody>
+      </p:sp>
+      <p:sp>
+        <p:nvSpPr>
+          <p:cNvPr id="3" name="2 Marcador de contenido"/>
+          <p:cNvSpPr>
+            <a:spLocks noGrp="1"/>
+          </p:cNvSpPr>
+          <p:nvPr>
+            <p:ph sz="quarter" idx="1"/>
+          </p:nvPr>
+        </p:nvSpPr>
+        <p:spPr/>
+        <p:txBody>
+          <a:bodyPr/>
+          <a:lstStyle/>
+          <a:p>
+            <a:r>
+              <a:rPr lang="en-US" dirty="0" smtClean="0"/>
+              <a:t>Unit testing</a:t>
+            </a:r>
+          </a:p>
+          <a:p>
+            <a:pPr lvl="1"/>
+            <a:r>
+              <a:rPr lang="en-US" dirty="0" smtClean="0"/>
+              <a:t>Fast, bounded to one layer, use of </a:t>
+            </a:r>
+            <a:r>
+              <a:rPr lang="en-US" dirty="0" smtClean="0"/>
+              <a:t>mocks</a:t>
+            </a:r>
+          </a:p>
+          <a:p>
+            <a:pPr lvl="1"/>
+            <a:r>
+              <a:rPr lang="es-ES" b="1" dirty="0" err="1">
+                <a:latin typeface="Courier New" panose="02070309020205020404" pitchFamily="49" charset="0"/>
+                <a:cs typeface="Courier New" panose="02070309020205020404" pitchFamily="49" charset="0"/>
+              </a:rPr>
+              <a:t>grails</a:t>
+            </a:r>
+            <a:r>
+              <a:rPr lang="es-ES" b="1" dirty="0">
+                <a:latin typeface="Courier New" panose="02070309020205020404" pitchFamily="49" charset="0"/>
+                <a:cs typeface="Courier New" panose="02070309020205020404" pitchFamily="49" charset="0"/>
+              </a:rPr>
+              <a:t> </a:t>
+            </a:r>
+            <a:r>
+              <a:rPr lang="es-ES" b="1" dirty="0" smtClean="0">
+                <a:latin typeface="Courier New" panose="02070309020205020404" pitchFamily="49" charset="0"/>
+                <a:cs typeface="Courier New" panose="02070309020205020404" pitchFamily="49" charset="0"/>
+              </a:rPr>
+              <a:t>test-app</a:t>
+            </a:r>
+          </a:p>
+          <a:p>
+            <a:pPr lvl="1"/>
+            <a:r>
+              <a:rPr lang="es-ES" b="1" dirty="0">
+                <a:latin typeface="Courier New" panose="02070309020205020404" pitchFamily="49" charset="0"/>
+                <a:cs typeface="Courier New" panose="02070309020205020404" pitchFamily="49" charset="0"/>
+              </a:rPr>
+              <a:t>open test-</a:t>
+            </a:r>
+            <a:r>
+              <a:rPr lang="es-ES" b="1" dirty="0" err="1">
+                <a:latin typeface="Courier New" panose="02070309020205020404" pitchFamily="49" charset="0"/>
+                <a:cs typeface="Courier New" panose="02070309020205020404" pitchFamily="49" charset="0"/>
+              </a:rPr>
+              <a:t>report</a:t>
+            </a:r>
+            <a:endParaRPr lang="en-US" b="1" dirty="0" smtClean="0">
+              <a:latin typeface="Courier New" panose="02070309020205020404" pitchFamily="49" charset="0"/>
+              <a:cs typeface="Courier New" panose="02070309020205020404" pitchFamily="49" charset="0"/>
+            </a:endParaRPr>
+          </a:p>
+          <a:p>
+            <a:pPr lvl="1"/>
+            <a:r>
+              <a:rPr lang="en-US" dirty="0" smtClean="0"/>
+              <a:t>JUnit, </a:t>
+            </a:r>
+            <a:r>
+              <a:rPr lang="en-US" dirty="0" err="1" smtClean="0"/>
+              <a:t>Mixins</a:t>
+            </a:r>
+            <a:r>
+              <a:rPr lang="en-US" dirty="0" smtClean="0"/>
+              <a:t>, Mocks, Spock</a:t>
+            </a:r>
+          </a:p>
+          <a:p>
+            <a:pPr lvl="1"/>
+            <a:endParaRPr lang="en-US" dirty="0" smtClean="0"/>
+          </a:p>
+          <a:p>
+            <a:r>
+              <a:rPr lang="en-US" dirty="0" smtClean="0"/>
+              <a:t>Integration testing</a:t>
+            </a:r>
+          </a:p>
+          <a:p>
+            <a:pPr lvl="1"/>
+            <a:r>
+              <a:rPr lang="en-US" dirty="0" smtClean="0"/>
+              <a:t>Among several layers, using servers and testing data</a:t>
+            </a:r>
+          </a:p>
+          <a:p>
+            <a:pPr lvl="1"/>
+            <a:r>
+              <a:rPr lang="en-US" dirty="0" err="1" smtClean="0"/>
+              <a:t>BootStrap.groovy</a:t>
+            </a:r>
+            <a:r>
+              <a:rPr lang="en-US" dirty="0" smtClean="0"/>
+              <a:t> to pre-load data</a:t>
+            </a:r>
+            <a:endParaRPr lang="en-US" dirty="0" smtClean="0"/>
+          </a:p>
+        </p:txBody>
+      </p:sp>
+    </p:spTree>
+    <p:extLst>
+      <p:ext uri="{BB962C8B-B14F-4D97-AF65-F5344CB8AC3E}">
+        <p14:creationId xmlns:p14="http://schemas.microsoft.com/office/powerpoint/2010/main" val="233359050"/>
+      </p:ext>
+    </p:extLst>
+  </p:cSld>
+  <p:clrMapOvr>
+    <a:masterClrMapping/>
+  </p:clrMapOvr>
+  <p:timing>
+    <p:tnLst>
+      <p:par>
+        <p:cTn id="1" dur="indefinite" restart="never" nodeType="tmRoot"/>
+      </p:par>
+    </p:tnLst>
+  </p:timing>
+</p:sld>
+</file>
+
+<file path=ppt/slides/slide86.xml><?xml version="1.0" encoding="utf-8"?>
+<p:sld xmlns:a="http://schemas.openxmlformats.org/drawingml/2006/main" xmlns:r="http://schemas.openxmlformats.org/officeDocument/2006/relationships" xmlns:p="http://schemas.openxmlformats.org/presentationml/2006/main">
+  <p:cSld>
+    <p:spTree>
+      <p:nvGrpSpPr>
+        <p:cNvPr id="1" name=""/>
+        <p:cNvGrpSpPr/>
+        <p:nvPr/>
+      </p:nvGrpSpPr>
+      <p:grpSpPr>
+        <a:xfrm>
+          <a:off x="0" y="0"/>
+          <a:ext cx="0" cy="0"/>
+          <a:chOff x="0" y="0"/>
+          <a:chExt cx="0" cy="0"/>
+        </a:xfrm>
+      </p:grpSpPr>
+      <p:sp>
+        <p:nvSpPr>
+          <p:cNvPr id="3" name="2 Marcador de texto"/>
+          <p:cNvSpPr>
+            <a:spLocks noGrp="1"/>
+          </p:cNvSpPr>
+          <p:nvPr>
+            <p:ph type="body" idx="1"/>
+          </p:nvPr>
+        </p:nvSpPr>
+        <p:spPr/>
+        <p:txBody>
+          <a:bodyPr/>
+          <a:lstStyle/>
+          <a:p>
+            <a:r>
+              <a:rPr lang="es-ES" dirty="0" err="1" smtClean="0"/>
+              <a:t>JUnit</a:t>
+            </a:r>
+            <a:r>
+              <a:rPr lang="es-ES" dirty="0" smtClean="0"/>
+              <a:t> </a:t>
+            </a:r>
+            <a:r>
+              <a:rPr lang="es-ES" dirty="0" err="1" smtClean="0"/>
+              <a:t>Testing</a:t>
+            </a:r>
+            <a:endParaRPr lang="es-ES" dirty="0"/>
+          </a:p>
+        </p:txBody>
+      </p:sp>
+      <p:sp>
+        <p:nvSpPr>
+          <p:cNvPr id="5" name="4 Marcador de texto"/>
+          <p:cNvSpPr>
+            <a:spLocks noGrp="1"/>
+          </p:cNvSpPr>
+          <p:nvPr>
+            <p:ph type="body" sz="half" idx="3"/>
+          </p:nvPr>
+        </p:nvSpPr>
+        <p:spPr/>
+        <p:txBody>
+          <a:bodyPr/>
+          <a:lstStyle/>
+          <a:p>
+            <a:endParaRPr lang="es-ES" dirty="0"/>
+          </a:p>
+        </p:txBody>
+      </p:sp>
+      <p:sp>
+        <p:nvSpPr>
+          <p:cNvPr id="4" name="3 Marcador de contenido"/>
+          <p:cNvSpPr>
+            <a:spLocks noGrp="1"/>
+          </p:cNvSpPr>
+          <p:nvPr>
+            <p:ph sz="quarter" idx="2"/>
+          </p:nvPr>
+        </p:nvSpPr>
+        <p:spPr/>
+        <p:txBody>
+          <a:bodyPr>
+            <a:normAutofit lnSpcReduction="10000"/>
+          </a:bodyPr>
+          <a:lstStyle/>
+          <a:p>
+            <a:r>
+              <a:rPr lang="en-US" dirty="0" smtClean="0"/>
+              <a:t>class </a:t>
+            </a:r>
+            <a:r>
+              <a:rPr lang="en-US" dirty="0" err="1"/>
+              <a:t>SimpleController</a:t>
+            </a:r>
+            <a:r>
+              <a:rPr lang="en-US" dirty="0"/>
+              <a:t> { </a:t>
+            </a:r>
+            <a:endParaRPr lang="en-US" dirty="0" smtClean="0"/>
+          </a:p>
+          <a:p>
+            <a:r>
+              <a:rPr lang="en-US" dirty="0"/>
+              <a:t> </a:t>
+            </a:r>
+            <a:r>
+              <a:rPr lang="en-US" dirty="0" smtClean="0"/>
+              <a:t> </a:t>
+            </a:r>
+            <a:r>
+              <a:rPr lang="en-US" dirty="0" err="1" smtClean="0"/>
+              <a:t>def</a:t>
+            </a:r>
+            <a:r>
+              <a:rPr lang="en-US" dirty="0" smtClean="0"/>
+              <a:t> </a:t>
+            </a:r>
+            <a:r>
+              <a:rPr lang="en-US" dirty="0"/>
+              <a:t>home() { </a:t>
+            </a:r>
+            <a:endParaRPr lang="en-US" dirty="0" smtClean="0"/>
+          </a:p>
+          <a:p>
+            <a:r>
+              <a:rPr lang="en-US" dirty="0"/>
+              <a:t> </a:t>
+            </a:r>
+            <a:r>
+              <a:rPr lang="en-US" dirty="0" smtClean="0"/>
+              <a:t>   render </a:t>
+            </a:r>
+            <a:r>
+              <a:rPr lang="en-US" dirty="0"/>
+              <a:t>view: </a:t>
+            </a:r>
+            <a:r>
+              <a:rPr lang="en-US" dirty="0"/>
+              <a:t>"</a:t>
+            </a:r>
+            <a:r>
+              <a:rPr lang="en-US" dirty="0" smtClean="0"/>
+              <a:t>home", </a:t>
+            </a:r>
+          </a:p>
+          <a:p>
+            <a:r>
+              <a:rPr lang="en-US" dirty="0" smtClean="0"/>
+              <a:t>       model</a:t>
+            </a:r>
+            <a:r>
+              <a:rPr lang="en-US" dirty="0"/>
+              <a:t>: [title: </a:t>
+            </a:r>
+            <a:r>
+              <a:rPr lang="en-US" dirty="0"/>
+              <a:t>"</a:t>
+            </a:r>
+            <a:r>
+              <a:rPr lang="en-US" dirty="0" smtClean="0"/>
+              <a:t>Hello!!"] </a:t>
+            </a:r>
+          </a:p>
+          <a:p>
+            <a:r>
+              <a:rPr lang="en-US" dirty="0"/>
+              <a:t> </a:t>
+            </a:r>
+            <a:r>
+              <a:rPr lang="en-US" dirty="0" smtClean="0"/>
+              <a:t> } </a:t>
+            </a:r>
+          </a:p>
+          <a:p>
+            <a:r>
+              <a:rPr lang="en-US" dirty="0" smtClean="0"/>
+              <a:t>}</a:t>
+            </a:r>
+          </a:p>
+          <a:p>
+            <a:endParaRPr lang="en-US" dirty="0" smtClean="0"/>
+          </a:p>
+          <a:p>
+            <a:r>
+              <a:rPr lang="en-US" dirty="0" smtClean="0"/>
+              <a:t>@</a:t>
+            </a:r>
+            <a:r>
+              <a:rPr lang="en-US" dirty="0" err="1" smtClean="0"/>
+              <a:t>TestFor</a:t>
+            </a:r>
+            <a:r>
+              <a:rPr lang="en-US" dirty="0" smtClean="0"/>
+              <a:t>(</a:t>
+            </a:r>
+            <a:r>
+              <a:rPr lang="en-US" dirty="0" err="1" smtClean="0"/>
+              <a:t>SimpleController</a:t>
+            </a:r>
+            <a:r>
+              <a:rPr lang="en-US" dirty="0" smtClean="0"/>
+              <a:t>)</a:t>
+            </a:r>
+            <a:endParaRPr lang="en-US" dirty="0"/>
+          </a:p>
+          <a:p>
+            <a:r>
+              <a:rPr lang="en-US" dirty="0" smtClean="0"/>
+              <a:t>class </a:t>
+            </a:r>
+            <a:r>
+              <a:rPr lang="en-US" dirty="0" err="1" smtClean="0"/>
+              <a:t>SimpleControllerTests</a:t>
+            </a:r>
+            <a:r>
+              <a:rPr lang="en-US" dirty="0" smtClean="0"/>
+              <a:t>{</a:t>
+            </a:r>
+          </a:p>
+          <a:p>
+            <a:pPr lvl="1"/>
+            <a:r>
+              <a:rPr lang="es-ES" dirty="0" err="1"/>
+              <a:t>void</a:t>
+            </a:r>
+            <a:r>
+              <a:rPr lang="es-ES" dirty="0"/>
+              <a:t> </a:t>
+            </a:r>
+            <a:r>
+              <a:rPr lang="es-ES" dirty="0" err="1"/>
+              <a:t>testIndex</a:t>
+            </a:r>
+            <a:r>
+              <a:rPr lang="es-ES" dirty="0"/>
+              <a:t>() { </a:t>
+            </a:r>
+            <a:r>
+              <a:rPr lang="es-ES" dirty="0" smtClean="0"/>
+              <a:t>  </a:t>
+            </a:r>
+          </a:p>
+          <a:p>
+            <a:pPr lvl="1"/>
+            <a:r>
+              <a:rPr lang="es-ES" dirty="0"/>
+              <a:t> </a:t>
+            </a:r>
+            <a:r>
+              <a:rPr lang="es-ES" dirty="0" smtClean="0"/>
+              <a:t> </a:t>
+            </a:r>
+            <a:r>
+              <a:rPr lang="es-ES" dirty="0" err="1" smtClean="0"/>
+              <a:t>controller.home</a:t>
+            </a:r>
+            <a:r>
+              <a:rPr lang="es-ES" dirty="0" smtClean="0"/>
+              <a:t>()</a:t>
+            </a:r>
+          </a:p>
+          <a:p>
+            <a:pPr lvl="1"/>
+            <a:r>
+              <a:rPr lang="es-ES" dirty="0"/>
+              <a:t> </a:t>
+            </a:r>
+            <a:r>
+              <a:rPr lang="es-ES" dirty="0" smtClean="0"/>
+              <a:t> </a:t>
+            </a:r>
+            <a:r>
+              <a:rPr lang="es-ES" dirty="0" err="1" smtClean="0"/>
+              <a:t>assert</a:t>
+            </a:r>
+            <a:r>
+              <a:rPr lang="es-ES" dirty="0" smtClean="0"/>
+              <a:t> </a:t>
+            </a:r>
+            <a:r>
+              <a:rPr lang="es-ES" dirty="0" err="1"/>
+              <a:t>view</a:t>
+            </a:r>
+            <a:r>
+              <a:rPr lang="es-ES" dirty="0"/>
+              <a:t> == </a:t>
+            </a:r>
+            <a:r>
+              <a:rPr lang="es-ES" dirty="0"/>
+              <a:t>"/</a:t>
+            </a:r>
+            <a:r>
+              <a:rPr lang="es-ES" dirty="0" smtClean="0"/>
+              <a:t>simple/home" </a:t>
+            </a:r>
+          </a:p>
+          <a:p>
+            <a:pPr lvl="1"/>
+            <a:r>
+              <a:rPr lang="es-ES" dirty="0"/>
+              <a:t> </a:t>
+            </a:r>
+            <a:r>
+              <a:rPr lang="es-ES" dirty="0" smtClean="0"/>
+              <a:t> </a:t>
+            </a:r>
+            <a:r>
+              <a:rPr lang="es-ES" dirty="0" err="1" smtClean="0"/>
+              <a:t>assert</a:t>
+            </a:r>
+            <a:r>
+              <a:rPr lang="es-ES" dirty="0" smtClean="0"/>
+              <a:t> </a:t>
+            </a:r>
+            <a:r>
+              <a:rPr lang="es-ES" dirty="0" err="1" smtClean="0"/>
+              <a:t>model.title</a:t>
+            </a:r>
+            <a:r>
+              <a:rPr lang="es-ES" dirty="0" smtClean="0"/>
+              <a:t> == </a:t>
+            </a:r>
+            <a:r>
+              <a:rPr lang="es-ES" dirty="0"/>
+              <a:t>"</a:t>
+            </a:r>
+            <a:r>
+              <a:rPr lang="es-ES" dirty="0" err="1" smtClean="0"/>
+              <a:t>Hello</a:t>
+            </a:r>
+            <a:r>
+              <a:rPr lang="es-ES" dirty="0" smtClean="0"/>
+              <a:t>!!" </a:t>
+            </a:r>
+          </a:p>
+          <a:p>
+            <a:pPr lvl="1"/>
+            <a:r>
+              <a:rPr lang="es-ES" dirty="0" smtClean="0"/>
+              <a:t>}</a:t>
+            </a:r>
+            <a:endParaRPr lang="en-US" dirty="0"/>
+          </a:p>
+          <a:p>
+            <a:r>
+              <a:rPr lang="en-US" dirty="0" smtClean="0"/>
+              <a:t>}</a:t>
+            </a:r>
+            <a:endParaRPr lang="es-ES" dirty="0"/>
+          </a:p>
+        </p:txBody>
+      </p:sp>
+      <p:sp>
+        <p:nvSpPr>
+          <p:cNvPr id="6" name="5 Marcador de contenido"/>
+          <p:cNvSpPr>
+            <a:spLocks noGrp="1"/>
+          </p:cNvSpPr>
+          <p:nvPr>
+            <p:ph sz="quarter" idx="4"/>
+          </p:nvPr>
+        </p:nvSpPr>
+        <p:spPr/>
+        <p:txBody>
+          <a:bodyPr>
+            <a:normAutofit/>
+          </a:bodyPr>
+          <a:lstStyle/>
+          <a:p>
+            <a:r>
+              <a:rPr lang="en-US" dirty="0" smtClean="0"/>
+              <a:t>// To test </a:t>
+            </a:r>
+            <a:r>
+              <a:rPr lang="en-US" dirty="0" err="1" smtClean="0"/>
+              <a:t>taglibs</a:t>
+            </a:r>
+            <a:endParaRPr lang="en-US" dirty="0" smtClean="0"/>
+          </a:p>
+          <a:p>
+            <a:r>
+              <a:rPr lang="en-US" dirty="0" smtClean="0"/>
+              <a:t>void </a:t>
+            </a:r>
+            <a:r>
+              <a:rPr lang="en-US" dirty="0" err="1" smtClean="0"/>
+              <a:t>testEmoticonTaglib</a:t>
+            </a:r>
+            <a:r>
+              <a:rPr lang="en-US" dirty="0" smtClean="0"/>
+              <a:t>(){</a:t>
+            </a:r>
+          </a:p>
+          <a:p>
+            <a:r>
+              <a:rPr lang="en-US" dirty="0"/>
+              <a:t> </a:t>
+            </a:r>
+            <a:r>
+              <a:rPr lang="en-US" dirty="0" smtClean="0"/>
+              <a:t> </a:t>
+            </a:r>
+            <a:r>
+              <a:rPr lang="es-ES" dirty="0" err="1"/>
+              <a:t>assert</a:t>
+            </a:r>
+            <a:r>
+              <a:rPr lang="es-ES" dirty="0"/>
+              <a:t> </a:t>
+            </a:r>
+            <a:r>
+              <a:rPr lang="es-ES" dirty="0" err="1"/>
+              <a:t>applyTemplate</a:t>
+            </a:r>
+            <a:r>
+              <a:rPr lang="es-ES" dirty="0" smtClean="0"/>
+              <a:t>( </a:t>
+            </a:r>
+          </a:p>
+          <a:p>
+            <a:r>
+              <a:rPr lang="es-ES" dirty="0"/>
+              <a:t>	</a:t>
+            </a:r>
+            <a:r>
+              <a:rPr lang="es-ES" dirty="0" smtClean="0"/>
+              <a:t>'&lt;</a:t>
+            </a:r>
+            <a:r>
+              <a:rPr lang="es-ES" dirty="0" err="1" smtClean="0"/>
+              <a:t>other:emoticon</a:t>
+            </a:r>
+            <a:r>
+              <a:rPr lang="es-ES" dirty="0" smtClean="0"/>
+              <a:t> </a:t>
+            </a:r>
+          </a:p>
+          <a:p>
+            <a:r>
+              <a:rPr lang="es-ES" dirty="0"/>
+              <a:t>	</a:t>
+            </a:r>
+            <a:r>
+              <a:rPr lang="en-US" dirty="0" smtClean="0"/>
+              <a:t>happy</a:t>
+            </a:r>
+            <a:r>
+              <a:rPr lang="en-US" dirty="0"/>
+              <a:t>=</a:t>
+            </a:r>
+            <a:r>
+              <a:rPr lang="en-US" dirty="0">
+                <a:solidFill>
+                  <a:schemeClr val="bg2">
+                    <a:lumMod val="50000"/>
+                  </a:schemeClr>
+                </a:solidFill>
+              </a:rPr>
+              <a:t>"true</a:t>
+            </a:r>
+            <a:r>
+              <a:rPr lang="en-US" dirty="0" smtClean="0">
+                <a:solidFill>
+                  <a:schemeClr val="bg2">
+                    <a:lumMod val="50000"/>
+                  </a:schemeClr>
+                </a:solidFill>
+              </a:rPr>
+              <a:t>"</a:t>
+            </a:r>
+            <a:r>
+              <a:rPr lang="en-US" dirty="0" smtClean="0"/>
+              <a:t>&gt;&lt;</a:t>
+            </a:r>
+            <a:r>
+              <a:rPr lang="es-ES" dirty="0" smtClean="0"/>
+              <a:t>&gt;') == </a:t>
+            </a:r>
+            <a:r>
+              <a:rPr lang="en-US" dirty="0">
+                <a:solidFill>
+                  <a:schemeClr val="bg2">
+                    <a:lumMod val="50000"/>
+                  </a:schemeClr>
+                </a:solidFill>
+              </a:rPr>
+              <a:t>" :-)" </a:t>
+            </a:r>
+            <a:endParaRPr lang="en-US" dirty="0" smtClean="0"/>
+          </a:p>
+          <a:p>
+            <a:r>
+              <a:rPr lang="en-US" dirty="0" smtClean="0"/>
+              <a:t>}</a:t>
+            </a:r>
+          </a:p>
+          <a:p>
+            <a:endParaRPr lang="en-US" dirty="0" smtClean="0"/>
+          </a:p>
+          <a:p>
+            <a:r>
+              <a:rPr lang="en-US" dirty="0" smtClean="0"/>
+              <a:t>// To test filters</a:t>
+            </a:r>
+            <a:endParaRPr lang="en-US" dirty="0"/>
+          </a:p>
+          <a:p>
+            <a:r>
+              <a:rPr lang="es-ES" dirty="0" err="1"/>
+              <a:t>void</a:t>
+            </a:r>
+            <a:r>
+              <a:rPr lang="es-ES" dirty="0"/>
+              <a:t> </a:t>
+            </a:r>
+            <a:r>
+              <a:rPr lang="es-ES" dirty="0" err="1"/>
+              <a:t>testListFiltered</a:t>
+            </a:r>
+            <a:r>
+              <a:rPr lang="es-ES" dirty="0"/>
+              <a:t>() { </a:t>
+            </a:r>
+          </a:p>
+          <a:p>
+            <a:r>
+              <a:rPr lang="es-ES" dirty="0"/>
+              <a:t>  </a:t>
+            </a:r>
+            <a:r>
+              <a:rPr lang="es-ES" dirty="0" err="1"/>
+              <a:t>withFilters</a:t>
+            </a:r>
+            <a:r>
+              <a:rPr lang="es-ES" dirty="0"/>
+              <a:t>(</a:t>
+            </a:r>
+            <a:r>
+              <a:rPr lang="es-ES" dirty="0" err="1"/>
+              <a:t>action</a:t>
+            </a:r>
+            <a:r>
+              <a:rPr lang="es-ES" dirty="0"/>
+              <a:t>:"</a:t>
+            </a:r>
+            <a:r>
+              <a:rPr lang="es-ES" dirty="0" err="1"/>
+              <a:t>list</a:t>
+            </a:r>
+            <a:r>
+              <a:rPr lang="es-ES" dirty="0"/>
+              <a:t>") { </a:t>
+            </a:r>
+          </a:p>
+          <a:p>
+            <a:r>
+              <a:rPr lang="es-ES" dirty="0"/>
+              <a:t>    </a:t>
+            </a:r>
+            <a:r>
+              <a:rPr lang="es-ES" dirty="0" err="1"/>
+              <a:t>controller.list</a:t>
+            </a:r>
+            <a:r>
+              <a:rPr lang="es-ES" dirty="0"/>
+              <a:t>() </a:t>
+            </a:r>
+          </a:p>
+          <a:p>
+            <a:r>
+              <a:rPr lang="es-ES" dirty="0"/>
+              <a:t>  } </a:t>
+            </a:r>
+          </a:p>
+          <a:p>
+            <a:r>
+              <a:rPr lang="es-ES" dirty="0"/>
+              <a:t>  </a:t>
+            </a:r>
+            <a:r>
+              <a:rPr lang="es-ES" dirty="0" err="1"/>
+              <a:t>assert</a:t>
+            </a:r>
+            <a:r>
+              <a:rPr lang="es-ES" dirty="0"/>
+              <a:t> ... </a:t>
+            </a:r>
+          </a:p>
+          <a:p>
+            <a:r>
+              <a:rPr lang="es-ES" dirty="0"/>
+              <a:t>}</a:t>
+            </a:r>
+          </a:p>
+          <a:p>
+            <a:endParaRPr lang="en-US" dirty="0" smtClean="0"/>
+          </a:p>
+        </p:txBody>
+      </p:sp>
+      <p:sp>
+        <p:nvSpPr>
+          <p:cNvPr id="2" name="1 Título"/>
+          <p:cNvSpPr>
+            <a:spLocks noGrp="1"/>
+          </p:cNvSpPr>
+          <p:nvPr>
+            <p:ph type="title"/>
+          </p:nvPr>
+        </p:nvSpPr>
+        <p:spPr/>
+        <p:txBody>
+          <a:bodyPr>
+            <a:normAutofit/>
+          </a:bodyPr>
+          <a:lstStyle/>
+          <a:p>
+            <a:r>
+              <a:rPr lang="es-ES" sz="3600" dirty="0"/>
+              <a:t>2.6. </a:t>
+            </a:r>
+            <a:r>
+              <a:rPr lang="es-ES" sz="3600" dirty="0" err="1"/>
+              <a:t>The</a:t>
+            </a:r>
+            <a:r>
+              <a:rPr lang="es-ES" sz="3600" dirty="0"/>
+              <a:t> Web </a:t>
+            </a:r>
+            <a:r>
+              <a:rPr lang="es-ES" sz="3600" dirty="0" err="1" smtClean="0"/>
+              <a:t>Layer</a:t>
+            </a:r>
+            <a:endParaRPr lang="es-ES" dirty="0"/>
+          </a:p>
+        </p:txBody>
+      </p:sp>
+    </p:spTree>
+    <p:extLst>
+      <p:ext uri="{BB962C8B-B14F-4D97-AF65-F5344CB8AC3E}">
+        <p14:creationId xmlns:p14="http://schemas.microsoft.com/office/powerpoint/2010/main" val="711945999"/>
+      </p:ext>
+    </p:extLst>
+  </p:cSld>
+  <p:clrMapOvr>
+    <a:masterClrMapping/>
+  </p:clrMapOvr>
+  <p:timing>
+    <p:tnLst>
+      <p:par>
+        <p:cTn id="1" dur="indefinite" restart="never" nodeType="tmRoot"/>
+      </p:par>
+    </p:tnLst>
+  </p:timing>
+</p:sld>
+</file>
+
+<file path=ppt/slides/slide87.xml><?xml version="1.0" encoding="utf-8"?>
+<p:sld xmlns:a="http://schemas.openxmlformats.org/drawingml/2006/main" xmlns:r="http://schemas.openxmlformats.org/officeDocument/2006/relationships" xmlns:p="http://schemas.openxmlformats.org/presentationml/2006/main">
+  <p:cSld>
+    <p:spTree>
+      <p:nvGrpSpPr>
+        <p:cNvPr id="1" name=""/>
+        <p:cNvGrpSpPr/>
+        <p:nvPr/>
+      </p:nvGrpSpPr>
+      <p:grpSpPr>
+        <a:xfrm>
+          <a:off x="0" y="0"/>
+          <a:ext cx="0" cy="0"/>
+          <a:chOff x="0" y="0"/>
+          <a:chExt cx="0" cy="0"/>
+        </a:xfrm>
+      </p:grpSpPr>
+      <p:sp>
+        <p:nvSpPr>
+          <p:cNvPr id="2" name="1 Título"/>
+          <p:cNvSpPr>
+            <a:spLocks noGrp="1"/>
+          </p:cNvSpPr>
+          <p:nvPr>
+            <p:ph type="title"/>
+          </p:nvPr>
+        </p:nvSpPr>
+        <p:spPr/>
+        <p:txBody>
+          <a:bodyPr>
+            <a:normAutofit/>
+          </a:bodyPr>
+          <a:lstStyle/>
+          <a:p>
+            <a:r>
+              <a:rPr lang="en-US" sz="3600" dirty="0"/>
+              <a:t>2.7. Unit and Integration Testing</a:t>
+            </a:r>
+            <a:endParaRPr lang="es-ES" dirty="0"/>
+          </a:p>
+        </p:txBody>
+      </p:sp>
+      <p:sp>
+        <p:nvSpPr>
+          <p:cNvPr id="4" name="3 Marcador de contenido"/>
+          <p:cNvSpPr>
+            <a:spLocks noGrp="1"/>
+          </p:cNvSpPr>
+          <p:nvPr>
+            <p:ph sz="quarter" idx="1"/>
+          </p:nvPr>
+        </p:nvSpPr>
+        <p:spPr/>
+        <p:txBody>
+          <a:bodyPr/>
+          <a:lstStyle/>
+          <a:p>
+            <a:r>
+              <a:rPr lang="es-ES" dirty="0" err="1" smtClean="0"/>
+              <a:t>Spock</a:t>
+            </a:r>
+            <a:endParaRPr lang="es-ES" dirty="0" smtClean="0"/>
+          </a:p>
+          <a:p>
+            <a:pPr lvl="1"/>
+            <a:r>
+              <a:rPr lang="es-ES" dirty="0" err="1" smtClean="0"/>
+              <a:t>Specifications</a:t>
+            </a:r>
+            <a:endParaRPr lang="es-ES" dirty="0" smtClean="0"/>
+          </a:p>
+          <a:p>
+            <a:pPr lvl="1"/>
+            <a:r>
+              <a:rPr lang="es-ES" b="1" dirty="0" err="1" smtClean="0">
+                <a:latin typeface="Courier New" panose="02070309020205020404" pitchFamily="49" charset="0"/>
+                <a:cs typeface="Courier New" panose="02070309020205020404" pitchFamily="49" charset="0"/>
+              </a:rPr>
+              <a:t>MyTest</a:t>
+            </a:r>
+            <a:r>
+              <a:rPr lang="es-ES" b="1" dirty="0" smtClean="0">
+                <a:latin typeface="Courier New" panose="02070309020205020404" pitchFamily="49" charset="0"/>
+                <a:cs typeface="Courier New" panose="02070309020205020404" pitchFamily="49" charset="0"/>
+              </a:rPr>
+              <a:t> </a:t>
+            </a:r>
+            <a:r>
+              <a:rPr lang="es-ES" b="1" dirty="0" err="1" smtClean="0">
+                <a:latin typeface="Courier New" panose="02070309020205020404" pitchFamily="49" charset="0"/>
+                <a:cs typeface="Courier New" panose="02070309020205020404" pitchFamily="49" charset="0"/>
+              </a:rPr>
+              <a:t>extends</a:t>
+            </a:r>
+            <a:r>
+              <a:rPr lang="es-ES" b="1" dirty="0" smtClean="0">
+                <a:latin typeface="Courier New" panose="02070309020205020404" pitchFamily="49" charset="0"/>
+                <a:cs typeface="Courier New" panose="02070309020205020404" pitchFamily="49" charset="0"/>
+              </a:rPr>
+              <a:t> </a:t>
+            </a:r>
+            <a:r>
+              <a:rPr lang="es-ES" b="1" dirty="0" err="1" smtClean="0">
+                <a:latin typeface="Courier New" panose="02070309020205020404" pitchFamily="49" charset="0"/>
+                <a:cs typeface="Courier New" panose="02070309020205020404" pitchFamily="49" charset="0"/>
+              </a:rPr>
+              <a:t>Specification</a:t>
+            </a:r>
+            <a:endParaRPr lang="es-ES" b="1" dirty="0" smtClean="0">
+              <a:latin typeface="Courier New" panose="02070309020205020404" pitchFamily="49" charset="0"/>
+              <a:cs typeface="Courier New" panose="02070309020205020404" pitchFamily="49" charset="0"/>
+            </a:endParaRPr>
+          </a:p>
+          <a:p>
+            <a:pPr lvl="1"/>
+            <a:r>
+              <a:rPr lang="es-ES" dirty="0" err="1" smtClean="0"/>
+              <a:t>Generic</a:t>
+            </a:r>
+            <a:r>
+              <a:rPr lang="es-ES" dirty="0" smtClean="0"/>
+              <a:t> </a:t>
+            </a:r>
+            <a:r>
+              <a:rPr lang="es-ES" dirty="0" err="1" smtClean="0"/>
+              <a:t>void</a:t>
+            </a:r>
+            <a:r>
+              <a:rPr lang="es-ES" dirty="0" smtClean="0"/>
+              <a:t> </a:t>
+            </a:r>
+            <a:r>
+              <a:rPr lang="es-ES" dirty="0" err="1" smtClean="0"/>
+              <a:t>methods</a:t>
+            </a:r>
+            <a:endParaRPr lang="es-ES" dirty="0" smtClean="0"/>
+          </a:p>
+          <a:p>
+            <a:pPr lvl="1"/>
+            <a:r>
+              <a:rPr lang="es-ES" dirty="0" err="1" smtClean="0"/>
+              <a:t>setup</a:t>
+            </a:r>
+            <a:r>
+              <a:rPr lang="es-ES" dirty="0" smtClean="0"/>
+              <a:t>: … </a:t>
+            </a:r>
+            <a:r>
+              <a:rPr lang="es-ES" dirty="0" err="1" smtClean="0"/>
+              <a:t>when</a:t>
+            </a:r>
+            <a:r>
+              <a:rPr lang="es-ES" dirty="0" smtClean="0"/>
+              <a:t>: … </a:t>
+            </a:r>
+            <a:r>
+              <a:rPr lang="es-ES" dirty="0" err="1" smtClean="0"/>
+              <a:t>then</a:t>
+            </a:r>
+            <a:r>
+              <a:rPr lang="es-ES" dirty="0" smtClean="0"/>
+              <a:t>: … </a:t>
+            </a:r>
+            <a:r>
+              <a:rPr lang="es-ES" dirty="0" err="1" smtClean="0"/>
+              <a:t>cleanup</a:t>
+            </a:r>
+            <a:r>
+              <a:rPr lang="es-ES" dirty="0" smtClean="0"/>
+              <a:t>: …</a:t>
+            </a:r>
+          </a:p>
+          <a:p>
+            <a:pPr lvl="1"/>
+            <a:endParaRPr lang="es-ES" dirty="0" smtClean="0"/>
+          </a:p>
+          <a:p>
+            <a:pPr lvl="1"/>
+            <a:endParaRPr lang="es-ES" dirty="0"/>
+          </a:p>
+          <a:p>
+            <a:pPr lvl="1"/>
+            <a:r>
+              <a:rPr lang="es-ES" dirty="0" err="1" smtClean="0"/>
+              <a:t>Saturday</a:t>
+            </a:r>
+            <a:r>
+              <a:rPr lang="es-ES" dirty="0" smtClean="0"/>
+              <a:t> 18:00 Fernando Redondo</a:t>
+            </a:r>
+            <a:endParaRPr lang="es-ES" dirty="0"/>
+          </a:p>
+        </p:txBody>
+      </p:sp>
+    </p:spTree>
+    <p:extLst>
+      <p:ext uri="{BB962C8B-B14F-4D97-AF65-F5344CB8AC3E}">
+        <p14:creationId xmlns:p14="http://schemas.microsoft.com/office/powerpoint/2010/main" val="4198659157"/>
+      </p:ext>
+    </p:extLst>
+  </p:cSld>
+  <p:clrMapOvr>
+    <a:masterClrMapping/>
+  </p:clrMapOvr>
+  <p:timing>
+    <p:tnLst>
+      <p:par>
+        <p:cTn id="1" dur="indefinite" restart="never" nodeType="tmRoot"/>
+      </p:par>
+    </p:tnLst>
+  </p:timing>
+</p:sld>
+</file>
+
+<file path=ppt/slides/slide88.xml><?xml version="1.0" encoding="utf-8"?>
+<p:sld xmlns:a="http://schemas.openxmlformats.org/drawingml/2006/main" xmlns:r="http://schemas.openxmlformats.org/officeDocument/2006/relationships" xmlns:p="http://schemas.openxmlformats.org/presentationml/2006/main">
+  <p:cSld>
+    <p:spTree>
+      <p:nvGrpSpPr>
+        <p:cNvPr id="1" name=""/>
+        <p:cNvGrpSpPr/>
+        <p:nvPr/>
+      </p:nvGrpSpPr>
+      <p:grpSpPr>
+        <a:xfrm>
+          <a:off x="0" y="0"/>
+          <a:ext cx="0" cy="0"/>
+          <a:chOff x="0" y="0"/>
+          <a:chExt cx="0" cy="0"/>
+        </a:xfrm>
+      </p:grpSpPr>
+      <p:sp>
+        <p:nvSpPr>
+          <p:cNvPr id="3" name="2 Marcador de texto"/>
+          <p:cNvSpPr>
+            <a:spLocks noGrp="1"/>
+          </p:cNvSpPr>
+          <p:nvPr>
+            <p:ph type="body" idx="1"/>
+          </p:nvPr>
+        </p:nvSpPr>
+        <p:spPr/>
+        <p:txBody>
+          <a:bodyPr/>
+          <a:lstStyle/>
+          <a:p>
+            <a:r>
+              <a:rPr lang="es-ES" dirty="0" err="1" smtClean="0"/>
+              <a:t>Spock</a:t>
+            </a:r>
+            <a:r>
+              <a:rPr lang="es-ES" dirty="0" smtClean="0"/>
+              <a:t> </a:t>
+            </a:r>
+            <a:r>
+              <a:rPr lang="es-ES" dirty="0" err="1" smtClean="0"/>
+              <a:t>Testing</a:t>
+            </a:r>
+            <a:endParaRPr lang="es-ES" dirty="0"/>
+          </a:p>
+        </p:txBody>
+      </p:sp>
+      <p:sp>
+        <p:nvSpPr>
+          <p:cNvPr id="5" name="4 Marcador de texto"/>
+          <p:cNvSpPr>
+            <a:spLocks noGrp="1"/>
+          </p:cNvSpPr>
+          <p:nvPr>
+            <p:ph type="body" sz="half" idx="3"/>
+          </p:nvPr>
+        </p:nvSpPr>
+        <p:spPr/>
+        <p:txBody>
+          <a:bodyPr/>
+          <a:lstStyle/>
+          <a:p>
+            <a:endParaRPr lang="es-ES" dirty="0"/>
+          </a:p>
+        </p:txBody>
+      </p:sp>
+      <p:sp>
+        <p:nvSpPr>
+          <p:cNvPr id="4" name="3 Marcador de contenido"/>
+          <p:cNvSpPr>
+            <a:spLocks noGrp="1"/>
+          </p:cNvSpPr>
+          <p:nvPr>
+            <p:ph sz="quarter" idx="2"/>
+          </p:nvPr>
+        </p:nvSpPr>
+        <p:spPr/>
+        <p:txBody>
+          <a:bodyPr>
+            <a:normAutofit/>
+          </a:bodyPr>
+          <a:lstStyle/>
+          <a:p>
+            <a:r>
+              <a:rPr lang="en-US" dirty="0"/>
+              <a:t>@</a:t>
+            </a:r>
+            <a:r>
+              <a:rPr lang="en-US" dirty="0" err="1"/>
+              <a:t>TestFor</a:t>
+            </a:r>
+            <a:r>
+              <a:rPr lang="en-US" dirty="0"/>
+              <a:t>(Person) </a:t>
+            </a:r>
+            <a:endParaRPr lang="en-US" dirty="0" smtClean="0"/>
+          </a:p>
+          <a:p>
+            <a:r>
+              <a:rPr lang="en-US" dirty="0" smtClean="0"/>
+              <a:t>class </a:t>
+            </a:r>
+            <a:r>
+              <a:rPr lang="en-US" dirty="0" err="1"/>
+              <a:t>PersonSpec</a:t>
+            </a:r>
+            <a:r>
+              <a:rPr lang="en-US" dirty="0"/>
+              <a:t> </a:t>
+            </a:r>
+            <a:endParaRPr lang="en-US" dirty="0" smtClean="0"/>
+          </a:p>
+          <a:p>
+            <a:r>
+              <a:rPr lang="en-US" dirty="0"/>
+              <a:t>	</a:t>
+            </a:r>
+            <a:r>
+              <a:rPr lang="en-US" dirty="0" smtClean="0"/>
+              <a:t>extends </a:t>
+            </a:r>
+            <a:r>
+              <a:rPr lang="en-US" dirty="0"/>
+              <a:t>Specification {</a:t>
+            </a:r>
+          </a:p>
+          <a:p>
+            <a:endParaRPr lang="en-US" dirty="0" smtClean="0"/>
+          </a:p>
+          <a:p>
+            <a:r>
+              <a:rPr lang="en-US" dirty="0" smtClean="0"/>
+              <a:t>}</a:t>
+            </a:r>
+          </a:p>
+          <a:p>
+            <a:endParaRPr lang="en-US" dirty="0">
+              <a:effectLst/>
+            </a:endParaRPr>
+          </a:p>
+          <a:p>
+            <a:r>
+              <a:rPr lang="en-US" dirty="0"/>
+              <a:t>@</a:t>
+            </a:r>
+            <a:r>
+              <a:rPr lang="en-US" dirty="0" err="1" smtClean="0"/>
+              <a:t>TestFor</a:t>
+            </a:r>
+            <a:r>
+              <a:rPr lang="en-US" dirty="0" smtClean="0"/>
+              <a:t>(Service) </a:t>
+            </a:r>
+            <a:endParaRPr lang="en-US" dirty="0"/>
+          </a:p>
+          <a:p>
+            <a:r>
+              <a:rPr lang="en-US" dirty="0"/>
+              <a:t>class </a:t>
+            </a:r>
+            <a:r>
+              <a:rPr lang="en-US" dirty="0" err="1" smtClean="0"/>
+              <a:t>ServiceSpec</a:t>
+            </a:r>
+            <a:r>
+              <a:rPr lang="en-US" dirty="0" smtClean="0"/>
+              <a:t> </a:t>
+            </a:r>
+            <a:endParaRPr lang="en-US" dirty="0"/>
+          </a:p>
+          <a:p>
+            <a:r>
+              <a:rPr lang="en-US" dirty="0"/>
+              <a:t>	extends </a:t>
+            </a:r>
+            <a:r>
+              <a:rPr lang="en-US" dirty="0" err="1" smtClean="0"/>
+              <a:t>IntegrationSpec</a:t>
+            </a:r>
+            <a:r>
+              <a:rPr lang="en-US" dirty="0" smtClean="0"/>
+              <a:t> {</a:t>
+            </a:r>
+            <a:endParaRPr lang="en-US" dirty="0"/>
+          </a:p>
+          <a:p>
+            <a:endParaRPr lang="en-US" dirty="0"/>
+          </a:p>
+          <a:p>
+            <a:r>
+              <a:rPr lang="en-US" dirty="0"/>
+              <a:t>}</a:t>
+            </a:r>
+          </a:p>
+          <a:p>
+            <a:endParaRPr lang="en-US" dirty="0">
+              <a:effectLst/>
+            </a:endParaRPr>
+          </a:p>
+        </p:txBody>
+      </p:sp>
+      <p:sp>
+        <p:nvSpPr>
+          <p:cNvPr id="6" name="5 Marcador de contenido"/>
+          <p:cNvSpPr>
+            <a:spLocks noGrp="1"/>
+          </p:cNvSpPr>
+          <p:nvPr>
+            <p:ph sz="quarter" idx="4"/>
+          </p:nvPr>
+        </p:nvSpPr>
+        <p:spPr/>
+        <p:txBody>
+          <a:bodyPr>
+            <a:normAutofit/>
+          </a:bodyPr>
+          <a:lstStyle/>
+          <a:p>
+            <a:r>
+              <a:rPr lang="en-US" dirty="0"/>
+              <a:t> </a:t>
+            </a:r>
+            <a:endParaRPr lang="en-US" dirty="0" smtClean="0"/>
+          </a:p>
+          <a:p>
+            <a:r>
+              <a:rPr lang="en-US" dirty="0" smtClean="0"/>
+              <a:t>void </a:t>
+            </a:r>
+            <a:r>
+              <a:rPr lang="en-US" dirty="0">
+                <a:solidFill>
+                  <a:schemeClr val="bg2">
+                    <a:lumMod val="50000"/>
+                  </a:schemeClr>
+                </a:solidFill>
+              </a:rPr>
+              <a:t>"Test that name must begin </a:t>
+            </a:r>
+          </a:p>
+          <a:p>
+            <a:r>
+              <a:rPr lang="en-US" dirty="0">
+                <a:solidFill>
+                  <a:schemeClr val="bg2">
+                    <a:lumMod val="50000"/>
+                  </a:schemeClr>
+                </a:solidFill>
+              </a:rPr>
+              <a:t>	with upper case letter"</a:t>
+            </a:r>
+            <a:r>
+              <a:rPr lang="en-US" dirty="0"/>
+              <a:t>() { </a:t>
+            </a:r>
+          </a:p>
+          <a:p>
+            <a:r>
+              <a:rPr lang="en-US" dirty="0"/>
+              <a:t>    when: 'the name begins with a </a:t>
+            </a:r>
+          </a:p>
+          <a:p>
+            <a:r>
+              <a:rPr lang="en-US" dirty="0"/>
+              <a:t>	lower letter' </a:t>
+            </a:r>
+          </a:p>
+          <a:p>
+            <a:r>
+              <a:rPr lang="en-US" dirty="0"/>
+              <a:t>      </a:t>
+            </a:r>
+            <a:r>
+              <a:rPr lang="en-US" dirty="0" err="1"/>
+              <a:t>def</a:t>
+            </a:r>
+            <a:r>
+              <a:rPr lang="en-US" dirty="0"/>
+              <a:t> p=new Person(name:'</a:t>
+            </a:r>
+            <a:r>
+              <a:rPr lang="en-US" dirty="0" err="1"/>
+              <a:t>jeff</a:t>
+            </a:r>
+            <a:r>
+              <a:rPr lang="en-US" dirty="0"/>
+              <a:t>')</a:t>
+            </a:r>
+          </a:p>
+          <a:p>
+            <a:r>
+              <a:rPr lang="en-US" dirty="0"/>
+              <a:t>    then: 'validation should fail' </a:t>
+            </a:r>
+          </a:p>
+          <a:p>
+            <a:r>
+              <a:rPr lang="en-US" dirty="0"/>
+              <a:t>      !</a:t>
+            </a:r>
+            <a:r>
+              <a:rPr lang="en-US" dirty="0" err="1"/>
+              <a:t>p.validate</a:t>
+            </a:r>
+            <a:r>
+              <a:rPr lang="en-US" dirty="0"/>
+              <a:t>()</a:t>
+            </a:r>
+          </a:p>
+          <a:p>
+            <a:r>
+              <a:rPr lang="en-US" dirty="0"/>
+              <a:t>    when: 'the name begins with an </a:t>
+            </a:r>
+          </a:p>
+          <a:p>
+            <a:r>
+              <a:rPr lang="en-US" dirty="0"/>
+              <a:t>	upper case letter' </a:t>
+            </a:r>
+          </a:p>
+          <a:p>
+            <a:r>
+              <a:rPr lang="en-US" dirty="0"/>
+              <a:t>      p = new Person(name: 'Jeff')</a:t>
+            </a:r>
+          </a:p>
+          <a:p>
+            <a:r>
+              <a:rPr lang="en-US" dirty="0"/>
+              <a:t>    then: 'validation should pass' </a:t>
+            </a:r>
+          </a:p>
+          <a:p>
+            <a:r>
+              <a:rPr lang="en-US" dirty="0"/>
+              <a:t>      </a:t>
+            </a:r>
+            <a:r>
+              <a:rPr lang="en-US" dirty="0" err="1"/>
+              <a:t>p.validate</a:t>
+            </a:r>
+            <a:r>
+              <a:rPr lang="en-US" dirty="0"/>
+              <a:t>()</a:t>
+            </a:r>
+          </a:p>
+          <a:p>
+            <a:r>
+              <a:rPr lang="en-US" dirty="0"/>
+              <a:t> </a:t>
+            </a:r>
+            <a:r>
+              <a:rPr lang="en-US" dirty="0" smtClean="0"/>
+              <a:t>}</a:t>
+            </a:r>
+          </a:p>
+        </p:txBody>
+      </p:sp>
+      <p:sp>
+        <p:nvSpPr>
+          <p:cNvPr id="2" name="1 Título"/>
+          <p:cNvSpPr>
+            <a:spLocks noGrp="1"/>
+          </p:cNvSpPr>
+          <p:nvPr>
+            <p:ph type="title"/>
+          </p:nvPr>
+        </p:nvSpPr>
+        <p:spPr/>
+        <p:txBody>
+          <a:bodyPr>
+            <a:normAutofit/>
+          </a:bodyPr>
+          <a:lstStyle/>
+          <a:p>
+            <a:r>
+              <a:rPr lang="es-ES" sz="3600" dirty="0"/>
+              <a:t>2.6. </a:t>
+            </a:r>
+            <a:r>
+              <a:rPr lang="es-ES" sz="3600" dirty="0" err="1"/>
+              <a:t>The</a:t>
+            </a:r>
+            <a:r>
+              <a:rPr lang="es-ES" sz="3600" dirty="0"/>
+              <a:t> Web </a:t>
+            </a:r>
+            <a:r>
+              <a:rPr lang="es-ES" sz="3600" dirty="0" err="1" smtClean="0"/>
+              <a:t>Layer</a:t>
+            </a:r>
+            <a:endParaRPr lang="es-ES" dirty="0"/>
+          </a:p>
+        </p:txBody>
+      </p:sp>
+    </p:spTree>
+    <p:extLst>
+      <p:ext uri="{BB962C8B-B14F-4D97-AF65-F5344CB8AC3E}">
+        <p14:creationId xmlns:p14="http://schemas.microsoft.com/office/powerpoint/2010/main" val="1433512816"/>
+      </p:ext>
+    </p:extLst>
+  </p:cSld>
+  <p:clrMapOvr>
+    <a:masterClrMapping/>
+  </p:clrMapOvr>
+  <p:timing>
+    <p:tnLst>
+      <p:par>
+        <p:cTn id="1" dur="indefinite" restart="never" nodeType="tmRoot"/>
+      </p:par>
+    </p:tnLst>
+  </p:timing>
+</p:sld>
+</file>
+
+<file path=ppt/slides/slide89.xml><?xml version="1.0" encoding="utf-8"?>
+<p:sld xmlns:a="http://schemas.openxmlformats.org/drawingml/2006/main" xmlns:r="http://schemas.openxmlformats.org/officeDocument/2006/relationships" xmlns:p="http://schemas.openxmlformats.org/presentationml/2006/main">
+  <p:cSld>
+    <p:spTree>
+      <p:nvGrpSpPr>
+        <p:cNvPr id="1" name=""/>
+        <p:cNvGrpSpPr/>
+        <p:nvPr/>
+      </p:nvGrpSpPr>
+      <p:grpSpPr>
+        <a:xfrm>
+          <a:off x="0" y="0"/>
+          <a:ext cx="0" cy="0"/>
+          <a:chOff x="0" y="0"/>
+          <a:chExt cx="0" cy="0"/>
+        </a:xfrm>
+      </p:grpSpPr>
+      <p:sp>
+        <p:nvSpPr>
           <p:cNvPr id="2" name="1 Título"/>
           <p:cNvSpPr>
             <a:spLocks noGrp="1"/>
@@ -42532,7 +46850,178 @@
 </p:sld>
 </file>
 
-<file path=ppt/slides/slide85.xml><?xml version="1.0" encoding="utf-8"?>
+<file path=ppt/slides/slide9.xml><?xml version="1.0" encoding="utf-8"?>
+<p:sld xmlns:a="http://schemas.openxmlformats.org/drawingml/2006/main" xmlns:r="http://schemas.openxmlformats.org/officeDocument/2006/relationships" xmlns:p="http://schemas.openxmlformats.org/presentationml/2006/main">
+  <p:cSld>
+    <p:spTree>
+      <p:nvGrpSpPr>
+        <p:cNvPr id="1" name=""/>
+        <p:cNvGrpSpPr/>
+        <p:nvPr/>
+      </p:nvGrpSpPr>
+      <p:grpSpPr>
+        <a:xfrm>
+          <a:off x="0" y="0"/>
+          <a:ext cx="0" cy="0"/>
+          <a:chOff x="0" y="0"/>
+          <a:chExt cx="0" cy="0"/>
+        </a:xfrm>
+      </p:grpSpPr>
+      <p:sp>
+        <p:nvSpPr>
+          <p:cNvPr id="2" name="1 Título"/>
+          <p:cNvSpPr>
+            <a:spLocks noGrp="1"/>
+          </p:cNvSpPr>
+          <p:nvPr>
+            <p:ph type="title"/>
+          </p:nvPr>
+        </p:nvSpPr>
+        <p:spPr/>
+        <p:txBody>
+          <a:bodyPr>
+            <a:normAutofit/>
+          </a:bodyPr>
+          <a:lstStyle/>
+          <a:p>
+            <a:r>
+              <a:rPr lang="es-ES" smtClean="0"/>
+              <a:t>1.2 Simple data types and Strings</a:t>
+            </a:r>
+            <a:endParaRPr lang="es-ES" dirty="0"/>
+          </a:p>
+        </p:txBody>
+      </p:sp>
+      <p:sp>
+        <p:nvSpPr>
+          <p:cNvPr id="3" name="2 Marcador de contenido"/>
+          <p:cNvSpPr>
+            <a:spLocks noGrp="1"/>
+          </p:cNvSpPr>
+          <p:nvPr>
+            <p:ph sz="quarter" idx="1"/>
+          </p:nvPr>
+        </p:nvSpPr>
+        <p:spPr/>
+        <p:txBody>
+          <a:bodyPr/>
+          <a:lstStyle/>
+          <a:p>
+            <a:r>
+              <a:rPr lang="en-US" dirty="0" smtClean="0"/>
+              <a:t>String</a:t>
+            </a:r>
+          </a:p>
+          <a:p>
+            <a:pPr lvl="1"/>
+            <a:r>
+              <a:rPr lang="en-US" dirty="0" smtClean="0"/>
+              <a:t>Simple or double quotes</a:t>
+            </a:r>
+          </a:p>
+          <a:p>
+            <a:pPr lvl="1"/>
+            <a:r>
+              <a:rPr lang="en-US" dirty="0" smtClean="0"/>
+              <a:t>No char type unless explicitly stated  </a:t>
+            </a:r>
+            <a:r>
+              <a:rPr lang="en-US" b="1" dirty="0" smtClean="0">
+                <a:solidFill>
+                  <a:schemeClr val="bg2">
+                    <a:lumMod val="50000"/>
+                  </a:schemeClr>
+                </a:solidFill>
+                <a:latin typeface="Courier New" panose="02070309020205020404" pitchFamily="49" charset="0"/>
+                <a:cs typeface="Courier New" panose="02070309020205020404" pitchFamily="49" charset="0"/>
+              </a:rPr>
+              <a:t>as char</a:t>
+            </a:r>
+            <a:endParaRPr lang="en-US" b="1" dirty="0" smtClean="0">
+              <a:latin typeface="Courier New" panose="02070309020205020404" pitchFamily="49" charset="0"/>
+              <a:cs typeface="Courier New" panose="02070309020205020404" pitchFamily="49" charset="0"/>
+            </a:endParaRPr>
+          </a:p>
+          <a:p>
+            <a:pPr lvl="1"/>
+            <a:r>
+              <a:rPr lang="en-US" dirty="0" smtClean="0"/>
+              <a:t>Double-quoted strings evaluate EL expressions</a:t>
+            </a:r>
+          </a:p>
+          <a:p>
+            <a:pPr lvl="2"/>
+            <a:r>
+              <a:rPr lang="en-US" b="1" dirty="0" smtClean="0">
+                <a:latin typeface="Courier New" panose="02070309020205020404" pitchFamily="49" charset="0"/>
+                <a:cs typeface="Courier New" panose="02070309020205020404" pitchFamily="49" charset="0"/>
+              </a:rPr>
+              <a:t>${expression}</a:t>
+            </a:r>
+          </a:p>
+          <a:p>
+            <a:pPr lvl="2"/>
+            <a:r>
+              <a:rPr lang="en-US" b="1" dirty="0" smtClean="0">
+                <a:latin typeface="Courier New" panose="02070309020205020404" pitchFamily="49" charset="0"/>
+                <a:cs typeface="Courier New" panose="02070309020205020404" pitchFamily="49" charset="0"/>
+              </a:rPr>
+              <a:t>$</a:t>
+            </a:r>
+            <a:r>
+              <a:rPr lang="en-US" b="1" dirty="0" err="1" smtClean="0">
+                <a:latin typeface="Courier New" panose="02070309020205020404" pitchFamily="49" charset="0"/>
+                <a:cs typeface="Courier New" panose="02070309020205020404" pitchFamily="49" charset="0"/>
+              </a:rPr>
+              <a:t>fieldName</a:t>
+            </a:r>
+            <a:endParaRPr lang="en-US" b="1" dirty="0" smtClean="0">
+              <a:latin typeface="Courier New" panose="02070309020205020404" pitchFamily="49" charset="0"/>
+              <a:cs typeface="Courier New" panose="02070309020205020404" pitchFamily="49" charset="0"/>
+            </a:endParaRPr>
+          </a:p>
+          <a:p>
+            <a:pPr lvl="1"/>
+            <a:r>
+              <a:rPr lang="en-US" dirty="0" smtClean="0"/>
+              <a:t>Multiline strings (</a:t>
+            </a:r>
+            <a:r>
+              <a:rPr lang="en-US" dirty="0" err="1" smtClean="0"/>
+              <a:t>heredocs</a:t>
+            </a:r>
+            <a:r>
+              <a:rPr lang="en-US" dirty="0" smtClean="0"/>
+              <a:t>) through triple quotes</a:t>
+            </a:r>
+          </a:p>
+          <a:p>
+            <a:pPr lvl="1"/>
+            <a:endParaRPr lang="en-US" dirty="0" smtClean="0"/>
+          </a:p>
+        </p:txBody>
+      </p:sp>
+    </p:spTree>
+    <p:extLst>
+      <p:ext uri="{BB962C8B-B14F-4D97-AF65-F5344CB8AC3E}">
+        <p14:creationId xmlns:p14="http://schemas.microsoft.com/office/powerpoint/2010/main" val="3126359558"/>
+      </p:ext>
+    </p:extLst>
+  </p:cSld>
+  <p:clrMapOvr>
+    <a:masterClrMapping/>
+  </p:clrMapOvr>
+  <p:timing>
+    <p:tnLst>
+      <p:par>
+        <p:cTn id="1" dur="indefinite" restart="never" nodeType="tmRoot"/>
+      </p:par>
+    </p:tnLst>
+  </p:timing>
+</p:sld>
+</file>
+
+<file path=ppt/slides/slide90.xml><?xml version="1.0" encoding="utf-8"?>
 <p:sld xmlns:a="http://schemas.openxmlformats.org/drawingml/2006/main" xmlns:r="http://schemas.openxmlformats.org/officeDocument/2006/relationships" xmlns:p="http://schemas.openxmlformats.org/presentationml/2006/main">
   <p:cSld>
     <p:spTree>
@@ -42938,177 +47427,6 @@
     <p:bldLst>
       <p:bldP spid="5" grpId="0" build="p" advAuto="2000"/>
     </p:bldLst>
-  </p:timing>
-</p:sld>
-</file>
-
-<file path=ppt/slides/slide9.xml><?xml version="1.0" encoding="utf-8"?>
-<p:sld xmlns:a="http://schemas.openxmlformats.org/drawingml/2006/main" xmlns:r="http://schemas.openxmlformats.org/officeDocument/2006/relationships" xmlns:p="http://schemas.openxmlformats.org/presentationml/2006/main">
-  <p:cSld>
-    <p:spTree>
-      <p:nvGrpSpPr>
-        <p:cNvPr id="1" name=""/>
-        <p:cNvGrpSpPr/>
-        <p:nvPr/>
-      </p:nvGrpSpPr>
-      <p:grpSpPr>
-        <a:xfrm>
-          <a:off x="0" y="0"/>
-          <a:ext cx="0" cy="0"/>
-          <a:chOff x="0" y="0"/>
-          <a:chExt cx="0" cy="0"/>
-        </a:xfrm>
-      </p:grpSpPr>
-      <p:sp>
-        <p:nvSpPr>
-          <p:cNvPr id="2" name="1 Título"/>
-          <p:cNvSpPr>
-            <a:spLocks noGrp="1"/>
-          </p:cNvSpPr>
-          <p:nvPr>
-            <p:ph type="title"/>
-          </p:nvPr>
-        </p:nvSpPr>
-        <p:spPr/>
-        <p:txBody>
-          <a:bodyPr>
-            <a:normAutofit/>
-          </a:bodyPr>
-          <a:lstStyle/>
-          <a:p>
-            <a:r>
-              <a:rPr lang="es-ES" smtClean="0"/>
-              <a:t>1.2 Simple data types and Strings</a:t>
-            </a:r>
-            <a:endParaRPr lang="es-ES" dirty="0"/>
-          </a:p>
-        </p:txBody>
-      </p:sp>
-      <p:sp>
-        <p:nvSpPr>
-          <p:cNvPr id="3" name="2 Marcador de contenido"/>
-          <p:cNvSpPr>
-            <a:spLocks noGrp="1"/>
-          </p:cNvSpPr>
-          <p:nvPr>
-            <p:ph sz="quarter" idx="1"/>
-          </p:nvPr>
-        </p:nvSpPr>
-        <p:spPr/>
-        <p:txBody>
-          <a:bodyPr/>
-          <a:lstStyle/>
-          <a:p>
-            <a:r>
-              <a:rPr lang="en-US" dirty="0" smtClean="0"/>
-              <a:t>String</a:t>
-            </a:r>
-          </a:p>
-          <a:p>
-            <a:pPr lvl="1"/>
-            <a:r>
-              <a:rPr lang="en-US" dirty="0" smtClean="0"/>
-              <a:t>Simple or double quotes</a:t>
-            </a:r>
-          </a:p>
-          <a:p>
-            <a:pPr lvl="1"/>
-            <a:r>
-              <a:rPr lang="en-US" dirty="0" smtClean="0"/>
-              <a:t>No char type unless explicitly stated  </a:t>
-            </a:r>
-            <a:r>
-              <a:rPr lang="en-US" b="1" dirty="0" smtClean="0">
-                <a:solidFill>
-                  <a:schemeClr val="bg2">
-                    <a:lumMod val="50000"/>
-                  </a:schemeClr>
-                </a:solidFill>
-                <a:latin typeface="Courier New" panose="02070309020205020404" pitchFamily="49" charset="0"/>
-                <a:cs typeface="Courier New" panose="02070309020205020404" pitchFamily="49" charset="0"/>
-              </a:rPr>
-              <a:t>as char</a:t>
-            </a:r>
-            <a:endParaRPr lang="en-US" b="1" dirty="0" smtClean="0">
-              <a:latin typeface="Courier New" panose="02070309020205020404" pitchFamily="49" charset="0"/>
-              <a:cs typeface="Courier New" panose="02070309020205020404" pitchFamily="49" charset="0"/>
-            </a:endParaRPr>
-          </a:p>
-          <a:p>
-            <a:pPr lvl="1"/>
-            <a:r>
-              <a:rPr lang="en-US" dirty="0" smtClean="0"/>
-              <a:t>Double-quoted strings evaluate EL expressions</a:t>
-            </a:r>
-          </a:p>
-          <a:p>
-            <a:pPr lvl="2"/>
-            <a:r>
-              <a:rPr lang="en-US" b="1" dirty="0" smtClean="0">
-                <a:latin typeface="Courier New" panose="02070309020205020404" pitchFamily="49" charset="0"/>
-                <a:cs typeface="Courier New" panose="02070309020205020404" pitchFamily="49" charset="0"/>
-              </a:rPr>
-              <a:t>${expression}</a:t>
-            </a:r>
-          </a:p>
-          <a:p>
-            <a:pPr lvl="2"/>
-            <a:r>
-              <a:rPr lang="en-US" b="1" dirty="0" smtClean="0">
-                <a:latin typeface="Courier New" panose="02070309020205020404" pitchFamily="49" charset="0"/>
-                <a:cs typeface="Courier New" panose="02070309020205020404" pitchFamily="49" charset="0"/>
-              </a:rPr>
-              <a:t>$</a:t>
-            </a:r>
-            <a:r>
-              <a:rPr lang="en-US" b="1" dirty="0" err="1" smtClean="0">
-                <a:latin typeface="Courier New" panose="02070309020205020404" pitchFamily="49" charset="0"/>
-                <a:cs typeface="Courier New" panose="02070309020205020404" pitchFamily="49" charset="0"/>
-              </a:rPr>
-              <a:t>fieldName</a:t>
-            </a:r>
-            <a:endParaRPr lang="en-US" b="1" dirty="0" smtClean="0">
-              <a:latin typeface="Courier New" panose="02070309020205020404" pitchFamily="49" charset="0"/>
-              <a:cs typeface="Courier New" panose="02070309020205020404" pitchFamily="49" charset="0"/>
-            </a:endParaRPr>
-          </a:p>
-          <a:p>
-            <a:pPr lvl="1"/>
-            <a:r>
-              <a:rPr lang="en-US" dirty="0" smtClean="0"/>
-              <a:t>Multiline strings (</a:t>
-            </a:r>
-            <a:r>
-              <a:rPr lang="en-US" dirty="0" err="1" smtClean="0"/>
-              <a:t>heredocs</a:t>
-            </a:r>
-            <a:r>
-              <a:rPr lang="en-US" dirty="0" smtClean="0"/>
-              <a:t>) through triple quotes</a:t>
-            </a:r>
-          </a:p>
-          <a:p>
-            <a:pPr lvl="1"/>
-            <a:endParaRPr lang="en-US" dirty="0" smtClean="0"/>
-          </a:p>
-        </p:txBody>
-      </p:sp>
-    </p:spTree>
-    <p:extLst>
-      <p:ext uri="{BB962C8B-B14F-4D97-AF65-F5344CB8AC3E}">
-        <p14:creationId xmlns:p14="http://schemas.microsoft.com/office/powerpoint/2010/main" val="3126359558"/>
-      </p:ext>
-    </p:extLst>
-  </p:cSld>
-  <p:clrMapOvr>
-    <a:masterClrMapping/>
-  </p:clrMapOvr>
-  <p:timing>
-    <p:tnLst>
-      <p:par>
-        <p:cTn id="1" dur="indefinite" restart="never" nodeType="tmRoot"/>
-      </p:par>
-    </p:tnLst>
   </p:timing>
 </p:sld>
 </file>
